--- a/make_presentation/templates/templates/classic/_25.pptx
+++ b/make_presentation/templates/templates/classic/_25.pptx
@@ -316,7 +316,7 @@
             <a:pPr algn="r">
               <a:buNone/>
             </a:pPr>
-            <a:fld id="{A9D252CA-4F06-4F65-9843-559811E5AE9D}" type="slidenum">
+            <a:fld id="{9DA73E77-18EC-4A23-BEBF-4D7C0FFF284B}" type="slidenum">
               <a:rPr b="0" lang="en-US" sz="1400" spc="-1" strike="noStrike">
                 <a:latin typeface="Times New Roman"/>
               </a:rPr>
@@ -364,7 +364,7 @@
         <p:spPr>
           <a:xfrm>
             <a:off x="380880" y="685800"/>
-            <a:ext cx="6091920" cy="3425040"/>
+            <a:ext cx="6091560" cy="3424680"/>
           </a:xfrm>
           <a:prstGeom prst="rect">
             <a:avLst/>
@@ -387,7 +387,7 @@
         <p:spPr>
           <a:xfrm>
             <a:off x="685800" y="4343400"/>
-            <a:ext cx="5482440" cy="4110840"/>
+            <a:ext cx="5482080" cy="4110480"/>
           </a:xfrm>
           <a:prstGeom prst="rect">
             <a:avLst/>
@@ -421,7 +421,7 @@
         <p:spPr>
           <a:xfrm>
             <a:off x="3884760" y="8685360"/>
-            <a:ext cx="2967840" cy="453240"/>
+            <a:ext cx="2967480" cy="452880"/>
           </a:xfrm>
           <a:prstGeom prst="rect">
             <a:avLst/>
@@ -457,7 +457,7 @@
               </a:lnSpc>
               <a:buNone/>
             </a:pPr>
-            <a:fld id="{50BDBC83-8FA1-408D-ABD8-2D9C7DEEFBAF}" type="slidenum">
+            <a:fld id="{3037FC8E-90E6-47D5-A56C-35EFC756458E}" type="slidenum">
               <a:rPr b="0" lang="en-US" sz="1200" spc="-1" strike="noStrike">
                 <a:solidFill>
                   <a:srgbClr val="000000"/>
@@ -508,7 +508,7 @@
         <p:spPr>
           <a:xfrm>
             <a:off x="380880" y="685800"/>
-            <a:ext cx="6091920" cy="3425040"/>
+            <a:ext cx="6091560" cy="3424680"/>
           </a:xfrm>
           <a:prstGeom prst="rect">
             <a:avLst/>
@@ -531,7 +531,7 @@
         <p:spPr>
           <a:xfrm>
             <a:off x="685800" y="4343400"/>
-            <a:ext cx="5482440" cy="4110840"/>
+            <a:ext cx="5482080" cy="4110480"/>
           </a:xfrm>
           <a:prstGeom prst="rect">
             <a:avLst/>
@@ -565,7 +565,7 @@
         <p:spPr>
           <a:xfrm>
             <a:off x="3884760" y="8685360"/>
-            <a:ext cx="2967840" cy="453240"/>
+            <a:ext cx="2967480" cy="452880"/>
           </a:xfrm>
           <a:prstGeom prst="rect">
             <a:avLst/>
@@ -601,7 +601,7 @@
               </a:lnSpc>
               <a:buNone/>
             </a:pPr>
-            <a:fld id="{4D68BC03-2A09-4AC5-8FA4-855DD29B3907}" type="slidenum">
+            <a:fld id="{39FF9D1B-272B-42A8-8476-8ECE613B7466}" type="slidenum">
               <a:rPr b="0" lang="en-US" sz="1200" spc="-1" strike="noStrike">
                 <a:solidFill>
                   <a:srgbClr val="000000"/>
@@ -652,7 +652,7 @@
         <p:spPr>
           <a:xfrm>
             <a:off x="380880" y="685800"/>
-            <a:ext cx="6091920" cy="3425040"/>
+            <a:ext cx="6091560" cy="3424680"/>
           </a:xfrm>
           <a:prstGeom prst="rect">
             <a:avLst/>
@@ -675,7 +675,7 @@
         <p:spPr>
           <a:xfrm>
             <a:off x="685800" y="4343400"/>
-            <a:ext cx="5482440" cy="4110840"/>
+            <a:ext cx="5482080" cy="4110480"/>
           </a:xfrm>
           <a:prstGeom prst="rect">
             <a:avLst/>
@@ -709,7 +709,7 @@
         <p:spPr>
           <a:xfrm>
             <a:off x="3884760" y="8685360"/>
-            <a:ext cx="2967840" cy="453240"/>
+            <a:ext cx="2967480" cy="452880"/>
           </a:xfrm>
           <a:prstGeom prst="rect">
             <a:avLst/>
@@ -745,7 +745,7 @@
               </a:lnSpc>
               <a:buNone/>
             </a:pPr>
-            <a:fld id="{A0403748-E078-4642-8F9D-3A815691AA29}" type="slidenum">
+            <a:fld id="{8A3E12AF-6354-4EE5-B135-09DA741F962B}" type="slidenum">
               <a:rPr b="0" lang="en-US" sz="1200" spc="-1" strike="noStrike">
                 <a:solidFill>
                   <a:srgbClr val="000000"/>
@@ -796,7 +796,7 @@
         <p:spPr>
           <a:xfrm>
             <a:off x="380880" y="685800"/>
-            <a:ext cx="6091920" cy="3425040"/>
+            <a:ext cx="6091560" cy="3424680"/>
           </a:xfrm>
           <a:prstGeom prst="rect">
             <a:avLst/>
@@ -819,7 +819,7 @@
         <p:spPr>
           <a:xfrm>
             <a:off x="685800" y="4343400"/>
-            <a:ext cx="5482440" cy="4110840"/>
+            <a:ext cx="5482080" cy="4110480"/>
           </a:xfrm>
           <a:prstGeom prst="rect">
             <a:avLst/>
@@ -853,7 +853,7 @@
         <p:spPr>
           <a:xfrm>
             <a:off x="3884760" y="8685360"/>
-            <a:ext cx="2967840" cy="453240"/>
+            <a:ext cx="2967480" cy="452880"/>
           </a:xfrm>
           <a:prstGeom prst="rect">
             <a:avLst/>
@@ -889,7 +889,7 @@
               </a:lnSpc>
               <a:buNone/>
             </a:pPr>
-            <a:fld id="{76D87D22-42DF-419C-9508-500B9243C506}" type="slidenum">
+            <a:fld id="{EB79880B-988F-4933-95FC-60D50D113348}" type="slidenum">
               <a:rPr b="0" lang="en-US" sz="1200" spc="-1" strike="noStrike">
                 <a:solidFill>
                   <a:srgbClr val="000000"/>
@@ -940,7 +940,7 @@
         <p:spPr>
           <a:xfrm>
             <a:off x="380880" y="685800"/>
-            <a:ext cx="6091920" cy="3425040"/>
+            <a:ext cx="6091560" cy="3424680"/>
           </a:xfrm>
           <a:prstGeom prst="rect">
             <a:avLst/>
@@ -963,7 +963,7 @@
         <p:spPr>
           <a:xfrm>
             <a:off x="685800" y="4343400"/>
-            <a:ext cx="5482440" cy="4110840"/>
+            <a:ext cx="5482080" cy="4110480"/>
           </a:xfrm>
           <a:prstGeom prst="rect">
             <a:avLst/>
@@ -997,7 +997,7 @@
         <p:spPr>
           <a:xfrm>
             <a:off x="3884760" y="8685360"/>
-            <a:ext cx="2967840" cy="453240"/>
+            <a:ext cx="2967480" cy="452880"/>
           </a:xfrm>
           <a:prstGeom prst="rect">
             <a:avLst/>
@@ -1033,7 +1033,7 @@
               </a:lnSpc>
               <a:buNone/>
             </a:pPr>
-            <a:fld id="{FB332C39-4DB4-4AA4-ADA2-38B0DFB5C836}" type="slidenum">
+            <a:fld id="{053A96FF-4E07-47F3-A4CF-4D85B168B482}" type="slidenum">
               <a:rPr b="0" lang="en-US" sz="1200" spc="-1" strike="noStrike">
                 <a:solidFill>
                   <a:srgbClr val="000000"/>
@@ -1084,7 +1084,7 @@
         <p:spPr>
           <a:xfrm>
             <a:off x="380880" y="685800"/>
-            <a:ext cx="6091920" cy="3425040"/>
+            <a:ext cx="6091560" cy="3424680"/>
           </a:xfrm>
           <a:prstGeom prst="rect">
             <a:avLst/>
@@ -1107,7 +1107,7 @@
         <p:spPr>
           <a:xfrm>
             <a:off x="685800" y="4343400"/>
-            <a:ext cx="5482440" cy="4110840"/>
+            <a:ext cx="5482080" cy="4110480"/>
           </a:xfrm>
           <a:prstGeom prst="rect">
             <a:avLst/>
@@ -1141,7 +1141,7 @@
         <p:spPr>
           <a:xfrm>
             <a:off x="3884760" y="8685360"/>
-            <a:ext cx="2967840" cy="453240"/>
+            <a:ext cx="2967480" cy="452880"/>
           </a:xfrm>
           <a:prstGeom prst="rect">
             <a:avLst/>
@@ -1177,7 +1177,7 @@
               </a:lnSpc>
               <a:buNone/>
             </a:pPr>
-            <a:fld id="{A1B8C213-F3A3-4641-9654-808444DE95B7}" type="slidenum">
+            <a:fld id="{605D02ED-885D-477B-8230-31CF7623B8A7}" type="slidenum">
               <a:rPr b="0" lang="en-US" sz="1200" spc="-1" strike="noStrike">
                 <a:solidFill>
                   <a:srgbClr val="000000"/>
@@ -1228,7 +1228,7 @@
         <p:spPr>
           <a:xfrm>
             <a:off x="380880" y="685800"/>
-            <a:ext cx="6091920" cy="3425040"/>
+            <a:ext cx="6091560" cy="3424680"/>
           </a:xfrm>
           <a:prstGeom prst="rect">
             <a:avLst/>
@@ -1251,7 +1251,7 @@
         <p:spPr>
           <a:xfrm>
             <a:off x="685800" y="4343400"/>
-            <a:ext cx="5482440" cy="4110840"/>
+            <a:ext cx="5482080" cy="4110480"/>
           </a:xfrm>
           <a:prstGeom prst="rect">
             <a:avLst/>
@@ -1285,7 +1285,7 @@
         <p:spPr>
           <a:xfrm>
             <a:off x="3884760" y="8685360"/>
-            <a:ext cx="2967840" cy="453240"/>
+            <a:ext cx="2967480" cy="452880"/>
           </a:xfrm>
           <a:prstGeom prst="rect">
             <a:avLst/>
@@ -1321,7 +1321,7 @@
               </a:lnSpc>
               <a:buNone/>
             </a:pPr>
-            <a:fld id="{C5F250D6-C9FF-47F0-8C57-66BB83646C14}" type="slidenum">
+            <a:fld id="{36ECA3D0-674C-49B0-BF9B-59FD39663042}" type="slidenum">
               <a:rPr b="0" lang="en-US" sz="1200" spc="-1" strike="noStrike">
                 <a:solidFill>
                   <a:srgbClr val="000000"/>
@@ -1372,7 +1372,7 @@
         <p:spPr>
           <a:xfrm>
             <a:off x="380880" y="685800"/>
-            <a:ext cx="6091920" cy="3425040"/>
+            <a:ext cx="6091560" cy="3424680"/>
           </a:xfrm>
           <a:prstGeom prst="rect">
             <a:avLst/>
@@ -1395,7 +1395,7 @@
         <p:spPr>
           <a:xfrm>
             <a:off x="685800" y="4343400"/>
-            <a:ext cx="5482440" cy="4110840"/>
+            <a:ext cx="5482080" cy="4110480"/>
           </a:xfrm>
           <a:prstGeom prst="rect">
             <a:avLst/>
@@ -1429,7 +1429,7 @@
         <p:spPr>
           <a:xfrm>
             <a:off x="3884760" y="8685360"/>
-            <a:ext cx="2967840" cy="453240"/>
+            <a:ext cx="2967480" cy="452880"/>
           </a:xfrm>
           <a:prstGeom prst="rect">
             <a:avLst/>
@@ -1465,7 +1465,7 @@
               </a:lnSpc>
               <a:buNone/>
             </a:pPr>
-            <a:fld id="{A888EF56-9112-45C5-9878-9E9542E75D5B}" type="slidenum">
+            <a:fld id="{E9EF9A79-A73D-48FE-8039-9AB4EA882A9D}" type="slidenum">
               <a:rPr b="0" lang="en-US" sz="1200" spc="-1" strike="noStrike">
                 <a:solidFill>
                   <a:srgbClr val="000000"/>
@@ -1516,7 +1516,7 @@
         <p:spPr>
           <a:xfrm>
             <a:off x="380880" y="685800"/>
-            <a:ext cx="6091920" cy="3425040"/>
+            <a:ext cx="6091560" cy="3424680"/>
           </a:xfrm>
           <a:prstGeom prst="rect">
             <a:avLst/>
@@ -1539,7 +1539,7 @@
         <p:spPr>
           <a:xfrm>
             <a:off x="685800" y="4343400"/>
-            <a:ext cx="5482440" cy="4110840"/>
+            <a:ext cx="5482080" cy="4110480"/>
           </a:xfrm>
           <a:prstGeom prst="rect">
             <a:avLst/>
@@ -1573,7 +1573,7 @@
         <p:spPr>
           <a:xfrm>
             <a:off x="3884760" y="8685360"/>
-            <a:ext cx="2967840" cy="453240"/>
+            <a:ext cx="2967480" cy="452880"/>
           </a:xfrm>
           <a:prstGeom prst="rect">
             <a:avLst/>
@@ -1609,7 +1609,7 @@
               </a:lnSpc>
               <a:buNone/>
             </a:pPr>
-            <a:fld id="{F0B141F0-4A52-432E-BA42-9C767131C7DD}" type="slidenum">
+            <a:fld id="{8F66399E-687E-412A-97D0-E3A6FB3C6CBA}" type="slidenum">
               <a:rPr b="0" lang="en-US" sz="1200" spc="-1" strike="noStrike">
                 <a:solidFill>
                   <a:srgbClr val="000000"/>
@@ -1660,7 +1660,7 @@
         <p:spPr>
           <a:xfrm>
             <a:off x="380880" y="685800"/>
-            <a:ext cx="6091920" cy="3425040"/>
+            <a:ext cx="6091560" cy="3424680"/>
           </a:xfrm>
           <a:prstGeom prst="rect">
             <a:avLst/>
@@ -1683,7 +1683,7 @@
         <p:spPr>
           <a:xfrm>
             <a:off x="685800" y="4343400"/>
-            <a:ext cx="5482440" cy="4110840"/>
+            <a:ext cx="5482080" cy="4110480"/>
           </a:xfrm>
           <a:prstGeom prst="rect">
             <a:avLst/>
@@ -1717,7 +1717,7 @@
         <p:spPr>
           <a:xfrm>
             <a:off x="3884760" y="8685360"/>
-            <a:ext cx="2967840" cy="453240"/>
+            <a:ext cx="2967480" cy="452880"/>
           </a:xfrm>
           <a:prstGeom prst="rect">
             <a:avLst/>
@@ -1753,7 +1753,7 @@
               </a:lnSpc>
               <a:buNone/>
             </a:pPr>
-            <a:fld id="{D7B3616D-C238-417D-8DB0-64A7B14FC61C}" type="slidenum">
+            <a:fld id="{6A7B6922-73F7-471F-A941-90622154C5F2}" type="slidenum">
               <a:rPr b="0" lang="en-US" sz="1200" spc="-1" strike="noStrike">
                 <a:solidFill>
                   <a:srgbClr val="000000"/>
@@ -1804,7 +1804,7 @@
         <p:spPr>
           <a:xfrm>
             <a:off x="380880" y="685800"/>
-            <a:ext cx="6091920" cy="3425040"/>
+            <a:ext cx="6091560" cy="3424680"/>
           </a:xfrm>
           <a:prstGeom prst="rect">
             <a:avLst/>
@@ -1827,7 +1827,7 @@
         <p:spPr>
           <a:xfrm>
             <a:off x="685800" y="4343400"/>
-            <a:ext cx="5482440" cy="4110840"/>
+            <a:ext cx="5482080" cy="4110480"/>
           </a:xfrm>
           <a:prstGeom prst="rect">
             <a:avLst/>
@@ -1861,7 +1861,7 @@
         <p:spPr>
           <a:xfrm>
             <a:off x="3884760" y="8685360"/>
-            <a:ext cx="2967840" cy="453240"/>
+            <a:ext cx="2967480" cy="452880"/>
           </a:xfrm>
           <a:prstGeom prst="rect">
             <a:avLst/>
@@ -1897,7 +1897,7 @@
               </a:lnSpc>
               <a:buNone/>
             </a:pPr>
-            <a:fld id="{AC3C2818-9172-48CE-9E8A-E0D089CE4014}" type="slidenum">
+            <a:fld id="{B3519D35-F8AD-4412-8BAA-601017A315E9}" type="slidenum">
               <a:rPr b="0" lang="en-US" sz="1200" spc="-1" strike="noStrike">
                 <a:solidFill>
                   <a:srgbClr val="000000"/>
@@ -1948,7 +1948,7 @@
         <p:spPr>
           <a:xfrm>
             <a:off x="380880" y="685800"/>
-            <a:ext cx="6091920" cy="3425040"/>
+            <a:ext cx="6091560" cy="3424680"/>
           </a:xfrm>
           <a:prstGeom prst="rect">
             <a:avLst/>
@@ -1971,7 +1971,7 @@
         <p:spPr>
           <a:xfrm>
             <a:off x="685800" y="4343400"/>
-            <a:ext cx="5482440" cy="4110840"/>
+            <a:ext cx="5482080" cy="4110480"/>
           </a:xfrm>
           <a:prstGeom prst="rect">
             <a:avLst/>
@@ -2005,7 +2005,7 @@
         <p:spPr>
           <a:xfrm>
             <a:off x="3884760" y="8685360"/>
-            <a:ext cx="2967840" cy="453240"/>
+            <a:ext cx="2967480" cy="452880"/>
           </a:xfrm>
           <a:prstGeom prst="rect">
             <a:avLst/>
@@ -2041,7 +2041,7 @@
               </a:lnSpc>
               <a:buNone/>
             </a:pPr>
-            <a:fld id="{02B5A3BD-E912-4C2E-955C-CB98D510AA48}" type="slidenum">
+            <a:fld id="{1A6743FA-2425-4AD1-9A84-D90D817BFD7E}" type="slidenum">
               <a:rPr b="0" lang="en-US" sz="1200" spc="-1" strike="noStrike">
                 <a:solidFill>
                   <a:srgbClr val="000000"/>
@@ -2092,7 +2092,7 @@
         <p:spPr>
           <a:xfrm>
             <a:off x="380880" y="685800"/>
-            <a:ext cx="6091920" cy="3425040"/>
+            <a:ext cx="6091560" cy="3424680"/>
           </a:xfrm>
           <a:prstGeom prst="rect">
             <a:avLst/>
@@ -2115,7 +2115,7 @@
         <p:spPr>
           <a:xfrm>
             <a:off x="685800" y="4343400"/>
-            <a:ext cx="5482440" cy="4110840"/>
+            <a:ext cx="5482080" cy="4110480"/>
           </a:xfrm>
           <a:prstGeom prst="rect">
             <a:avLst/>
@@ -2149,7 +2149,7 @@
         <p:spPr>
           <a:xfrm>
             <a:off x="3884760" y="8685360"/>
-            <a:ext cx="2967840" cy="453240"/>
+            <a:ext cx="2967480" cy="452880"/>
           </a:xfrm>
           <a:prstGeom prst="rect">
             <a:avLst/>
@@ -2185,7 +2185,7 @@
               </a:lnSpc>
               <a:buNone/>
             </a:pPr>
-            <a:fld id="{4F4A84A2-3B70-4845-9D04-43352F901687}" type="slidenum">
+            <a:fld id="{66B6D810-9FE1-4693-9461-3C1A5B45C737}" type="slidenum">
               <a:rPr b="0" lang="en-US" sz="1200" spc="-1" strike="noStrike">
                 <a:solidFill>
                   <a:srgbClr val="000000"/>
@@ -2236,7 +2236,7 @@
         <p:spPr>
           <a:xfrm>
             <a:off x="380880" y="685800"/>
-            <a:ext cx="6091920" cy="3425040"/>
+            <a:ext cx="6091560" cy="3424680"/>
           </a:xfrm>
           <a:prstGeom prst="rect">
             <a:avLst/>
@@ -2259,7 +2259,7 @@
         <p:spPr>
           <a:xfrm>
             <a:off x="685800" y="4343400"/>
-            <a:ext cx="5482440" cy="4110840"/>
+            <a:ext cx="5482080" cy="4110480"/>
           </a:xfrm>
           <a:prstGeom prst="rect">
             <a:avLst/>
@@ -2293,7 +2293,7 @@
         <p:spPr>
           <a:xfrm>
             <a:off x="3884760" y="8685360"/>
-            <a:ext cx="2967840" cy="453240"/>
+            <a:ext cx="2967480" cy="452880"/>
           </a:xfrm>
           <a:prstGeom prst="rect">
             <a:avLst/>
@@ -2329,7 +2329,7 @@
               </a:lnSpc>
               <a:buNone/>
             </a:pPr>
-            <a:fld id="{874CD835-CEE2-4B60-85F4-DBACF62957A4}" type="slidenum">
+            <a:fld id="{B47CE3A6-E5C3-422A-A2FB-3B7C2517CDF8}" type="slidenum">
               <a:rPr b="0" lang="en-US" sz="1200" spc="-1" strike="noStrike">
                 <a:solidFill>
                   <a:srgbClr val="000000"/>
@@ -2380,7 +2380,7 @@
         <p:spPr>
           <a:xfrm>
             <a:off x="380880" y="685800"/>
-            <a:ext cx="6091920" cy="3425040"/>
+            <a:ext cx="6091560" cy="3424680"/>
           </a:xfrm>
           <a:prstGeom prst="rect">
             <a:avLst/>
@@ -2403,7 +2403,7 @@
         <p:spPr>
           <a:xfrm>
             <a:off x="685800" y="4343400"/>
-            <a:ext cx="5482440" cy="4110840"/>
+            <a:ext cx="5482080" cy="4110480"/>
           </a:xfrm>
           <a:prstGeom prst="rect">
             <a:avLst/>
@@ -2437,7 +2437,7 @@
         <p:spPr>
           <a:xfrm>
             <a:off x="3884760" y="8685360"/>
-            <a:ext cx="2967840" cy="453240"/>
+            <a:ext cx="2967480" cy="452880"/>
           </a:xfrm>
           <a:prstGeom prst="rect">
             <a:avLst/>
@@ -2473,7 +2473,7 @@
               </a:lnSpc>
               <a:buNone/>
             </a:pPr>
-            <a:fld id="{D843356D-E4B4-412B-8F70-494E94627FB7}" type="slidenum">
+            <a:fld id="{84CAB342-2EEF-4048-BE06-1A530433E691}" type="slidenum">
               <a:rPr b="0" lang="en-US" sz="1200" spc="-1" strike="noStrike">
                 <a:solidFill>
                   <a:srgbClr val="000000"/>
@@ -2524,7 +2524,7 @@
         <p:spPr>
           <a:xfrm>
             <a:off x="380880" y="685800"/>
-            <a:ext cx="6091920" cy="3425040"/>
+            <a:ext cx="6091560" cy="3424680"/>
           </a:xfrm>
           <a:prstGeom prst="rect">
             <a:avLst/>
@@ -2547,7 +2547,7 @@
         <p:spPr>
           <a:xfrm>
             <a:off x="685800" y="4343400"/>
-            <a:ext cx="5482440" cy="4110840"/>
+            <a:ext cx="5482080" cy="4110480"/>
           </a:xfrm>
           <a:prstGeom prst="rect">
             <a:avLst/>
@@ -2581,7 +2581,7 @@
         <p:spPr>
           <a:xfrm>
             <a:off x="3884760" y="8685360"/>
-            <a:ext cx="2967840" cy="453240"/>
+            <a:ext cx="2967480" cy="452880"/>
           </a:xfrm>
           <a:prstGeom prst="rect">
             <a:avLst/>
@@ -2617,7 +2617,7 @@
               </a:lnSpc>
               <a:buNone/>
             </a:pPr>
-            <a:fld id="{BC5ACF10-D1DD-45A4-B3C4-2CFCF3E6F113}" type="slidenum">
+            <a:fld id="{9D48FFAA-7948-4E7B-A05E-06A3DDD99787}" type="slidenum">
               <a:rPr b="0" lang="en-US" sz="1200" spc="-1" strike="noStrike">
                 <a:solidFill>
                   <a:srgbClr val="000000"/>
@@ -2668,7 +2668,7 @@
         <p:spPr>
           <a:xfrm>
             <a:off x="380880" y="685800"/>
-            <a:ext cx="6091920" cy="3425040"/>
+            <a:ext cx="6091560" cy="3424680"/>
           </a:xfrm>
           <a:prstGeom prst="rect">
             <a:avLst/>
@@ -2691,7 +2691,7 @@
         <p:spPr>
           <a:xfrm>
             <a:off x="685800" y="4343400"/>
-            <a:ext cx="5482440" cy="4110840"/>
+            <a:ext cx="5482080" cy="4110480"/>
           </a:xfrm>
           <a:prstGeom prst="rect">
             <a:avLst/>
@@ -2725,7 +2725,7 @@
         <p:spPr>
           <a:xfrm>
             <a:off x="3884760" y="8685360"/>
-            <a:ext cx="2967840" cy="453240"/>
+            <a:ext cx="2967480" cy="452880"/>
           </a:xfrm>
           <a:prstGeom prst="rect">
             <a:avLst/>
@@ -2761,7 +2761,7 @@
               </a:lnSpc>
               <a:buNone/>
             </a:pPr>
-            <a:fld id="{42E3AC3B-2653-409A-B1BD-0B35A80DAEA3}" type="slidenum">
+            <a:fld id="{10503ECE-27D3-404D-AE61-056874C72B19}" type="slidenum">
               <a:rPr b="0" lang="en-US" sz="1200" spc="-1" strike="noStrike">
                 <a:solidFill>
                   <a:srgbClr val="000000"/>
@@ -2812,7 +2812,7 @@
         <p:spPr>
           <a:xfrm>
             <a:off x="380880" y="685800"/>
-            <a:ext cx="6091920" cy="3425040"/>
+            <a:ext cx="6091560" cy="3424680"/>
           </a:xfrm>
           <a:prstGeom prst="rect">
             <a:avLst/>
@@ -2835,7 +2835,7 @@
         <p:spPr>
           <a:xfrm>
             <a:off x="685800" y="4343400"/>
-            <a:ext cx="5482440" cy="4110840"/>
+            <a:ext cx="5482080" cy="4110480"/>
           </a:xfrm>
           <a:prstGeom prst="rect">
             <a:avLst/>
@@ -2869,7 +2869,7 @@
         <p:spPr>
           <a:xfrm>
             <a:off x="3884760" y="8685360"/>
-            <a:ext cx="2967840" cy="453240"/>
+            <a:ext cx="2967480" cy="452880"/>
           </a:xfrm>
           <a:prstGeom prst="rect">
             <a:avLst/>
@@ -2905,7 +2905,7 @@
               </a:lnSpc>
               <a:buNone/>
             </a:pPr>
-            <a:fld id="{3A40104F-82EC-432B-A91A-F52853C37592}" type="slidenum">
+            <a:fld id="{0C1D05D5-26C1-4483-9444-0C1F3198754A}" type="slidenum">
               <a:rPr b="0" lang="en-US" sz="1200" spc="-1" strike="noStrike">
                 <a:solidFill>
                   <a:srgbClr val="000000"/>
@@ -2956,7 +2956,7 @@
         <p:spPr>
           <a:xfrm>
             <a:off x="380880" y="685800"/>
-            <a:ext cx="6091920" cy="3425040"/>
+            <a:ext cx="6091560" cy="3424680"/>
           </a:xfrm>
           <a:prstGeom prst="rect">
             <a:avLst/>
@@ -2979,7 +2979,7 @@
         <p:spPr>
           <a:xfrm>
             <a:off x="685800" y="4343400"/>
-            <a:ext cx="5482440" cy="4110840"/>
+            <a:ext cx="5482080" cy="4110480"/>
           </a:xfrm>
           <a:prstGeom prst="rect">
             <a:avLst/>
@@ -3013,7 +3013,7 @@
         <p:spPr>
           <a:xfrm>
             <a:off x="3884760" y="8685360"/>
-            <a:ext cx="2967840" cy="453240"/>
+            <a:ext cx="2967480" cy="452880"/>
           </a:xfrm>
           <a:prstGeom prst="rect">
             <a:avLst/>
@@ -3049,7 +3049,7 @@
               </a:lnSpc>
               <a:buNone/>
             </a:pPr>
-            <a:fld id="{19296EB8-C372-4715-991C-10B555D48FBA}" type="slidenum">
+            <a:fld id="{19F598D2-7280-4A8B-A93E-B38A9FBAD40E}" type="slidenum">
               <a:rPr b="0" lang="en-US" sz="1200" spc="-1" strike="noStrike">
                 <a:solidFill>
                   <a:srgbClr val="000000"/>
@@ -3100,7 +3100,7 @@
         <p:spPr>
           <a:xfrm>
             <a:off x="380880" y="685800"/>
-            <a:ext cx="6091920" cy="3425040"/>
+            <a:ext cx="6091560" cy="3424680"/>
           </a:xfrm>
           <a:prstGeom prst="rect">
             <a:avLst/>
@@ -3123,7 +3123,7 @@
         <p:spPr>
           <a:xfrm>
             <a:off x="685800" y="4343400"/>
-            <a:ext cx="5482440" cy="4110840"/>
+            <a:ext cx="5482080" cy="4110480"/>
           </a:xfrm>
           <a:prstGeom prst="rect">
             <a:avLst/>
@@ -3157,7 +3157,7 @@
         <p:spPr>
           <a:xfrm>
             <a:off x="3884760" y="8685360"/>
-            <a:ext cx="2967840" cy="453240"/>
+            <a:ext cx="2967480" cy="452880"/>
           </a:xfrm>
           <a:prstGeom prst="rect">
             <a:avLst/>
@@ -3193,7 +3193,7 @@
               </a:lnSpc>
               <a:buNone/>
             </a:pPr>
-            <a:fld id="{601C0615-1B4F-4A30-A9BF-9F17204DB5D9}" type="slidenum">
+            <a:fld id="{22BE43B9-9CBB-48C9-A15C-E92F64226162}" type="slidenum">
               <a:rPr b="0" lang="en-US" sz="1200" spc="-1" strike="noStrike">
                 <a:solidFill>
                   <a:srgbClr val="000000"/>
@@ -3244,7 +3244,7 @@
         <p:spPr>
           <a:xfrm>
             <a:off x="380880" y="685800"/>
-            <a:ext cx="6091920" cy="3425040"/>
+            <a:ext cx="6091560" cy="3424680"/>
           </a:xfrm>
           <a:prstGeom prst="rect">
             <a:avLst/>
@@ -3267,7 +3267,7 @@
         <p:spPr>
           <a:xfrm>
             <a:off x="685800" y="4343400"/>
-            <a:ext cx="5482440" cy="4110840"/>
+            <a:ext cx="5482080" cy="4110480"/>
           </a:xfrm>
           <a:prstGeom prst="rect">
             <a:avLst/>
@@ -3301,7 +3301,7 @@
         <p:spPr>
           <a:xfrm>
             <a:off x="3884760" y="8685360"/>
-            <a:ext cx="2967840" cy="453240"/>
+            <a:ext cx="2967480" cy="452880"/>
           </a:xfrm>
           <a:prstGeom prst="rect">
             <a:avLst/>
@@ -3337,7 +3337,7 @@
               </a:lnSpc>
               <a:buNone/>
             </a:pPr>
-            <a:fld id="{35EF3DB0-0626-42F0-A192-40A543F4BDCB}" type="slidenum">
+            <a:fld id="{04AB000C-2D88-4312-918D-1C7FBA5A0669}" type="slidenum">
               <a:rPr b="0" lang="en-US" sz="1200" spc="-1" strike="noStrike">
                 <a:solidFill>
                   <a:srgbClr val="000000"/>
@@ -3388,7 +3388,7 @@
         <p:spPr>
           <a:xfrm>
             <a:off x="380880" y="685800"/>
-            <a:ext cx="6091920" cy="3425040"/>
+            <a:ext cx="6091560" cy="3424680"/>
           </a:xfrm>
           <a:prstGeom prst="rect">
             <a:avLst/>
@@ -3411,7 +3411,7 @@
         <p:spPr>
           <a:xfrm>
             <a:off x="685800" y="4343400"/>
-            <a:ext cx="5482440" cy="4110840"/>
+            <a:ext cx="5482080" cy="4110480"/>
           </a:xfrm>
           <a:prstGeom prst="rect">
             <a:avLst/>
@@ -3445,7 +3445,7 @@
         <p:spPr>
           <a:xfrm>
             <a:off x="3884760" y="8685360"/>
-            <a:ext cx="2967840" cy="453240"/>
+            <a:ext cx="2967480" cy="452880"/>
           </a:xfrm>
           <a:prstGeom prst="rect">
             <a:avLst/>
@@ -3481,7 +3481,7 @@
               </a:lnSpc>
               <a:buNone/>
             </a:pPr>
-            <a:fld id="{B3688C2E-ED12-48E8-B0A2-811EB8C05393}" type="slidenum">
+            <a:fld id="{A459A0B3-8E45-4311-ABA8-826C493AC1A5}" type="slidenum">
               <a:rPr b="0" lang="en-US" sz="1200" spc="-1" strike="noStrike">
                 <a:solidFill>
                   <a:srgbClr val="000000"/>
@@ -3532,7 +3532,7 @@
         <p:spPr>
           <a:xfrm>
             <a:off x="380880" y="685800"/>
-            <a:ext cx="6091920" cy="3425040"/>
+            <a:ext cx="6091560" cy="3424680"/>
           </a:xfrm>
           <a:prstGeom prst="rect">
             <a:avLst/>
@@ -3555,7 +3555,7 @@
         <p:spPr>
           <a:xfrm>
             <a:off x="685800" y="4343400"/>
-            <a:ext cx="5482440" cy="4110840"/>
+            <a:ext cx="5482080" cy="4110480"/>
           </a:xfrm>
           <a:prstGeom prst="rect">
             <a:avLst/>
@@ -3589,7 +3589,7 @@
         <p:spPr>
           <a:xfrm>
             <a:off x="3884760" y="8685360"/>
-            <a:ext cx="2967840" cy="453240"/>
+            <a:ext cx="2967480" cy="452880"/>
           </a:xfrm>
           <a:prstGeom prst="rect">
             <a:avLst/>
@@ -3625,7 +3625,7 @@
               </a:lnSpc>
               <a:buNone/>
             </a:pPr>
-            <a:fld id="{E397A0F4-4C99-483F-BC7D-B0BFDAA6BEB4}" type="slidenum">
+            <a:fld id="{35BEEE2E-6121-484D-AEBF-FF12B4412B10}" type="slidenum">
               <a:rPr b="0" lang="en-US" sz="1200" spc="-1" strike="noStrike">
                 <a:solidFill>
                   <a:srgbClr val="000000"/>
@@ -3676,7 +3676,7 @@
         <p:spPr>
           <a:xfrm>
             <a:off x="380880" y="685800"/>
-            <a:ext cx="6091920" cy="3425040"/>
+            <a:ext cx="6091560" cy="3424680"/>
           </a:xfrm>
           <a:prstGeom prst="rect">
             <a:avLst/>
@@ -3699,7 +3699,7 @@
         <p:spPr>
           <a:xfrm>
             <a:off x="685800" y="4343400"/>
-            <a:ext cx="5482440" cy="4110840"/>
+            <a:ext cx="5482080" cy="4110480"/>
           </a:xfrm>
           <a:prstGeom prst="rect">
             <a:avLst/>
@@ -3733,7 +3733,7 @@
         <p:spPr>
           <a:xfrm>
             <a:off x="3884760" y="8685360"/>
-            <a:ext cx="2967840" cy="453240"/>
+            <a:ext cx="2967480" cy="452880"/>
           </a:xfrm>
           <a:prstGeom prst="rect">
             <a:avLst/>
@@ -3769,7 +3769,7 @@
               </a:lnSpc>
               <a:buNone/>
             </a:pPr>
-            <a:fld id="{CB83465C-696C-4648-A1A3-DF6FD4F7A00A}" type="slidenum">
+            <a:fld id="{199C6B00-163D-47E3-8F56-C4C938221B88}" type="slidenum">
               <a:rPr b="0" lang="en-US" sz="1200" spc="-1" strike="noStrike">
                 <a:solidFill>
                   <a:srgbClr val="000000"/>
@@ -3820,7 +3820,7 @@
         <p:spPr>
           <a:xfrm>
             <a:off x="380880" y="685800"/>
-            <a:ext cx="6091920" cy="3425040"/>
+            <a:ext cx="6091560" cy="3424680"/>
           </a:xfrm>
           <a:prstGeom prst="rect">
             <a:avLst/>
@@ -3843,7 +3843,7 @@
         <p:spPr>
           <a:xfrm>
             <a:off x="685800" y="4343400"/>
-            <a:ext cx="5482440" cy="4110840"/>
+            <a:ext cx="5482080" cy="4110480"/>
           </a:xfrm>
           <a:prstGeom prst="rect">
             <a:avLst/>
@@ -3877,7 +3877,7 @@
         <p:spPr>
           <a:xfrm>
             <a:off x="3884760" y="8685360"/>
-            <a:ext cx="2967840" cy="453240"/>
+            <a:ext cx="2967480" cy="452880"/>
           </a:xfrm>
           <a:prstGeom prst="rect">
             <a:avLst/>
@@ -3913,7 +3913,7 @@
               </a:lnSpc>
               <a:buNone/>
             </a:pPr>
-            <a:fld id="{D00E9716-BBF4-4D02-9ACC-BDE1775D6889}" type="slidenum">
+            <a:fld id="{12B94B2D-7703-4E9C-9858-9B9ECB19B18D}" type="slidenum">
               <a:rPr b="0" lang="en-US" sz="1200" spc="-1" strike="noStrike">
                 <a:solidFill>
                   <a:srgbClr val="000000"/>
@@ -3985,7 +3985,7 @@
         <p:txBody>
           <a:bodyPr/>
           <a:p>
-            <a:fld id="{94F67C24-BE5E-42FA-8FA6-C6616912917A}" type="slidenum">
+            <a:fld id="{CA8F7A01-ECFB-4C4C-A0D3-2D8072098563}" type="slidenum">
               <a:t>&lt;#&gt;</a:t>
             </a:fld>
           </a:p>
@@ -4173,7 +4173,7 @@
         <p:txBody>
           <a:bodyPr/>
           <a:p>
-            <a:fld id="{C0FA8616-21F6-40D2-BC32-EAB34BEE55C4}" type="slidenum">
+            <a:fld id="{536DD242-DBD7-4279-B9EC-669C4D0A4A41}" type="slidenum">
               <a:t>&lt;#&gt;</a:t>
             </a:fld>
           </a:p>
@@ -4429,7 +4429,7 @@
         <p:txBody>
           <a:bodyPr/>
           <a:p>
-            <a:fld id="{764DF68C-602F-48A6-96DF-5E6E49082D9A}" type="slidenum">
+            <a:fld id="{4201F154-9A12-46DE-B49B-27C5A619B9A8}" type="slidenum">
               <a:t>&lt;#&gt;</a:t>
             </a:fld>
           </a:p>
@@ -4753,7 +4753,7 @@
         <p:txBody>
           <a:bodyPr/>
           <a:p>
-            <a:fld id="{E4D4C8E0-5EF8-41A9-9591-755D224D6AC5}" type="slidenum">
+            <a:fld id="{9B8DFE1D-86D4-46FF-AD8A-8FBE70C05C40}" type="slidenum">
               <a:t>&lt;#&gt;</a:t>
             </a:fld>
           </a:p>
@@ -4910,7 +4910,7 @@
         <p:txBody>
           <a:bodyPr/>
           <a:p>
-            <a:fld id="{82335D78-7C61-4054-9FC4-3B297FC5CAB4}" type="slidenum">
+            <a:fld id="{09E561F8-ECC8-4D5F-97A9-2096CEF033D5}" type="slidenum">
               <a:t>&lt;#&gt;</a:t>
             </a:fld>
           </a:p>
@@ -5064,7 +5064,7 @@
         <p:txBody>
           <a:bodyPr/>
           <a:p>
-            <a:fld id="{FC081A2D-1D3F-4B70-B97C-B7F945904B15}" type="slidenum">
+            <a:fld id="{98C0B7DE-2114-44A1-963A-108046F14284}" type="slidenum">
               <a:t>&lt;#&gt;</a:t>
             </a:fld>
           </a:p>
@@ -5252,7 +5252,7 @@
         <p:txBody>
           <a:bodyPr/>
           <a:p>
-            <a:fld id="{8C66F0A7-A1ED-4C9F-9145-CCEF97F86C83}" type="slidenum">
+            <a:fld id="{E1F95269-A618-40B7-9519-A9A7C1E86720}" type="slidenum">
               <a:t>&lt;#&gt;</a:t>
             </a:fld>
           </a:p>
@@ -5372,7 +5372,7 @@
         <p:txBody>
           <a:bodyPr/>
           <a:p>
-            <a:fld id="{DC8451BF-4169-4A75-AC76-761F56B9D7A6}" type="slidenum">
+            <a:fld id="{550823A5-3B9C-4DD4-BC03-D5C8A9B6DCBE}" type="slidenum">
               <a:t>&lt;#&gt;</a:t>
             </a:fld>
           </a:p>
@@ -5492,7 +5492,7 @@
         <p:txBody>
           <a:bodyPr/>
           <a:p>
-            <a:fld id="{F19CEE24-2980-49BE-A5FD-248C518CE184}" type="slidenum">
+            <a:fld id="{06E6C5E8-EEBC-40EE-9EDC-B6EF07E235AF}" type="slidenum">
               <a:t>&lt;#&gt;</a:t>
             </a:fld>
           </a:p>
@@ -5714,7 +5714,7 @@
         <p:txBody>
           <a:bodyPr/>
           <a:p>
-            <a:fld id="{2C86EE6D-1115-4D52-AA83-A856FCE41D16}" type="slidenum">
+            <a:fld id="{AA88ADAC-8D2F-457B-8FA7-98F1CCFCF925}" type="slidenum">
               <a:t>&lt;#&gt;</a:t>
             </a:fld>
           </a:p>
@@ -5936,7 +5936,7 @@
         <p:txBody>
           <a:bodyPr/>
           <a:p>
-            <a:fld id="{07BB52C3-548F-4ABC-AEE0-B113661D5306}" type="slidenum">
+            <a:fld id="{76617B9C-E70C-4568-9C67-D240881E0874}" type="slidenum">
               <a:t>&lt;#&gt;</a:t>
             </a:fld>
           </a:p>
@@ -6158,7 +6158,7 @@
         <p:txBody>
           <a:bodyPr/>
           <a:p>
-            <a:fld id="{2E641B90-3420-4C2F-81B4-D224B025A894}" type="slidenum">
+            <a:fld id="{FBE149FB-51F2-4BDB-AAC8-6046BBCC0E94}" type="slidenum">
               <a:t>&lt;#&gt;</a:t>
             </a:fld>
           </a:p>
@@ -6227,7 +6227,7 @@
         <p:spPr>
           <a:xfrm>
             <a:off x="3028680" y="4771440"/>
-            <a:ext cx="3082680" cy="270720"/>
+            <a:ext cx="3082320" cy="270360"/>
           </a:xfrm>
           <a:prstGeom prst="rect">
             <a:avLst/>
@@ -6271,7 +6271,7 @@
                 <a:latin typeface="Times New Roman"/>
                 <a:ea typeface="DejaVu Sans"/>
               </a:rPr>
-              <a:t> </a:t>
+              <a:t>&lt;footer&gt;</a:t>
             </a:r>
             <a:endParaRPr b="0" lang="en-US" sz="1400" spc="-1" strike="noStrike">
               <a:latin typeface="Times New Roman"/>
@@ -6292,7 +6292,7 @@
         <p:spPr>
           <a:xfrm>
             <a:off x="6457680" y="4771440"/>
-            <a:ext cx="2054160" cy="270720"/>
+            <a:ext cx="2053800" cy="270360"/>
           </a:xfrm>
           <a:prstGeom prst="rect">
             <a:avLst/>
@@ -6328,7 +6328,7 @@
               </a:lnSpc>
               <a:buNone/>
             </a:pPr>
-            <a:fld id="{02679546-DDED-446E-AD07-E4E81663D3C4}" type="slidenum">
+            <a:fld id="{7F776352-AFF3-4CAA-882C-23D4B8B32340}" type="slidenum">
               <a:rPr b="0" lang="en-US" sz="1200" spc="-1" strike="noStrike">
                 <a:solidFill>
                   <a:srgbClr val="8b8b8b"/>
@@ -6336,7 +6336,7 @@
                 <a:latin typeface="Calibri"/>
                 <a:ea typeface="DejaVu Sans"/>
               </a:rPr>
-              <a:t>24</a:t>
+              <a:t>&lt;number&gt;</a:t>
             </a:fld>
             <a:endParaRPr b="0" lang="en-US" sz="1200" spc="-1" strike="noStrike">
               <a:latin typeface="Times New Roman"/>
@@ -6357,7 +6357,7 @@
         <p:spPr>
           <a:xfrm>
             <a:off x="628200" y="4771440"/>
-            <a:ext cx="2054160" cy="270720"/>
+            <a:ext cx="2053800" cy="270360"/>
           </a:xfrm>
           <a:prstGeom prst="rect">
             <a:avLst/>
@@ -6383,7 +6383,7 @@
               <a:rPr b="0" lang="en-US" sz="1400" spc="-1" strike="noStrike">
                 <a:latin typeface="Times New Roman"/>
               </a:rPr>
-              <a:t> </a:t>
+              <a:t>&lt;date/time&gt;</a:t>
             </a:r>
             <a:endParaRPr b="0" lang="en-US" sz="1400" spc="-1" strike="noStrike">
               <a:latin typeface="Times New Roman"/>
@@ -6669,8 +6669,8 @@
         </p:nvSpPr>
         <p:spPr>
           <a:xfrm rot="2744400">
-            <a:off x="-281520" y="-25920"/>
-            <a:ext cx="704880" cy="704520"/>
+            <a:off x="-281160" y="-25920"/>
+            <a:ext cx="704520" cy="704160"/>
           </a:xfrm>
           <a:prstGeom prst="roundRect">
             <a:avLst>
@@ -6708,7 +6708,7 @@
         <p:spPr>
           <a:xfrm rot="2625600">
             <a:off x="6024960" y="4332960"/>
-            <a:ext cx="468720" cy="468720"/>
+            <a:ext cx="468360" cy="468360"/>
           </a:xfrm>
           <a:prstGeom prst="roundRect">
             <a:avLst>
@@ -6745,8 +6745,8 @@
         </p:nvSpPr>
         <p:spPr>
           <a:xfrm rot="18679200">
-            <a:off x="7004160" y="948600"/>
-            <a:ext cx="4940280" cy="4666680"/>
+            <a:off x="7003800" y="948600"/>
+            <a:ext cx="4939920" cy="4666320"/>
           </a:xfrm>
           <a:prstGeom prst="roundRect">
             <a:avLst>
@@ -6784,7 +6784,7 @@
         <p:spPr>
           <a:xfrm>
             <a:off x="459720" y="4671360"/>
-            <a:ext cx="2995920" cy="266760"/>
+            <a:ext cx="2995560" cy="266400"/>
           </a:xfrm>
           <a:prstGeom prst="rect">
             <a:avLst/>
@@ -6849,8 +6849,8 @@
         </p:blipFill>
         <p:spPr>
           <a:xfrm>
-            <a:off x="2423160" y="4671720"/>
-            <a:ext cx="288360" cy="288360"/>
+            <a:off x="2999160" y="4743720"/>
+            <a:ext cx="288000" cy="288000"/>
           </a:xfrm>
           <a:prstGeom prst="rect">
             <a:avLst/>
@@ -6869,7 +6869,7 @@
         <p:spPr>
           <a:xfrm>
             <a:off x="484920" y="1681560"/>
-            <a:ext cx="5481360" cy="1882800"/>
+            <a:ext cx="5481000" cy="1882440"/>
           </a:xfrm>
           <a:prstGeom prst="rect">
             <a:avLst/>
@@ -6957,8 +6957,8 @@
         </p:nvSpPr>
         <p:spPr>
           <a:xfrm rot="2744400">
-            <a:off x="-281520" y="-25920"/>
-            <a:ext cx="704880" cy="704520"/>
+            <a:off x="-281160" y="-25920"/>
+            <a:ext cx="704520" cy="704160"/>
           </a:xfrm>
           <a:prstGeom prst="roundRect">
             <a:avLst>
@@ -6996,7 +6996,7 @@
         <p:spPr>
           <a:xfrm rot="2332200">
             <a:off x="6009480" y="-319680"/>
-            <a:ext cx="4856040" cy="7727040"/>
+            <a:ext cx="4855680" cy="7726680"/>
           </a:xfrm>
           <a:prstGeom prst="roundRect">
             <a:avLst>
@@ -7034,9 +7034,9 @@
         <p:grpSpPr>
           <a:xfrm>
             <a:off x="4571640" y="828000"/>
-            <a:ext cx="4468680" cy="3564720"/>
+            <a:ext cx="4468320" cy="3564360"/>
             <a:chOff x="4571640" y="828000"/>
-            <a:chExt cx="4468680" cy="3564720"/>
+            <a:chExt cx="4468320" cy="3564360"/>
           </a:xfrm>
         </p:grpSpPr>
         <p:pic>
@@ -7052,7 +7052,7 @@
           <p:spPr>
             <a:xfrm>
               <a:off x="4571640" y="828000"/>
-              <a:ext cx="4468680" cy="3564720"/>
+              <a:ext cx="4468320" cy="3564360"/>
             </a:xfrm>
             <a:prstGeom prst="rect">
               <a:avLst/>
@@ -7070,8 +7070,8 @@
           </p:nvSpPr>
           <p:spPr>
             <a:xfrm rot="16200000">
-              <a:off x="5962680" y="1158480"/>
-              <a:ext cx="1737720" cy="2771640"/>
+              <a:off x="5962680" y="1158840"/>
+              <a:ext cx="1737360" cy="2771280"/>
             </a:xfrm>
             <a:prstGeom prst="roundRect">
               <a:avLst>
@@ -7138,7 +7138,7 @@
         <p:spPr>
           <a:xfrm>
             <a:off x="5446080" y="1672200"/>
-            <a:ext cx="2771280" cy="1737720"/>
+            <a:ext cx="2770920" cy="1737360"/>
           </a:xfrm>
           <a:prstGeom prst="rect">
             <a:avLst/>
@@ -7190,7 +7190,7 @@
         <p:spPr>
           <a:xfrm>
             <a:off x="586440" y="1246680"/>
-            <a:ext cx="4004640" cy="3600360"/>
+            <a:ext cx="4004280" cy="3600000"/>
           </a:xfrm>
           <a:prstGeom prst="rect">
             <a:avLst/>
@@ -7242,7 +7242,7 @@
         <p:spPr>
           <a:xfrm>
             <a:off x="586440" y="453960"/>
-            <a:ext cx="4764600" cy="855720"/>
+            <a:ext cx="4764240" cy="855360"/>
           </a:xfrm>
           <a:prstGeom prst="rect">
             <a:avLst/>
@@ -7331,7 +7331,7 @@
         <p:spPr>
           <a:xfrm rot="2745600">
             <a:off x="8349840" y="-668160"/>
-            <a:ext cx="1498680" cy="1498680"/>
+            <a:ext cx="1498320" cy="1498320"/>
           </a:xfrm>
           <a:prstGeom prst="roundRect">
             <a:avLst>
@@ -7368,8 +7368,8 @@
         </p:nvSpPr>
         <p:spPr>
           <a:xfrm rot="2745600">
-            <a:off x="7634160" y="-322560"/>
-            <a:ext cx="807480" cy="807840"/>
+            <a:off x="7634160" y="-322200"/>
+            <a:ext cx="807120" cy="807480"/>
           </a:xfrm>
           <a:prstGeom prst="roundRect">
             <a:avLst>
@@ -7408,7 +7408,7 @@
         <p:spPr>
           <a:xfrm>
             <a:off x="586440" y="899640"/>
-            <a:ext cx="7932240" cy="1537560"/>
+            <a:ext cx="7931880" cy="1537200"/>
           </a:xfrm>
           <a:prstGeom prst="rect">
             <a:avLst/>
@@ -7460,7 +7460,7 @@
         <p:spPr>
           <a:xfrm>
             <a:off x="608040" y="2545560"/>
-            <a:ext cx="3712680" cy="2256120"/>
+            <a:ext cx="3712320" cy="2255760"/>
           </a:xfrm>
           <a:prstGeom prst="rect">
             <a:avLst/>
@@ -7512,7 +7512,7 @@
         <p:spPr>
           <a:xfrm>
             <a:off x="4806360" y="2545560"/>
-            <a:ext cx="3712680" cy="2256120"/>
+            <a:ext cx="3712320" cy="2255760"/>
           </a:xfrm>
           <a:prstGeom prst="rect">
             <a:avLst/>
@@ -7564,7 +7564,7 @@
         <p:spPr>
           <a:xfrm>
             <a:off x="583200" y="450720"/>
-            <a:ext cx="7198560" cy="512640"/>
+            <a:ext cx="7198200" cy="512280"/>
           </a:xfrm>
           <a:prstGeom prst="rect">
             <a:avLst/>
@@ -7646,7 +7646,7 @@
         <p:spPr>
           <a:xfrm>
             <a:off x="586440" y="1246680"/>
-            <a:ext cx="4004640" cy="3600360"/>
+            <a:ext cx="4004280" cy="3600000"/>
           </a:xfrm>
           <a:prstGeom prst="rect">
             <a:avLst/>
@@ -7698,7 +7698,7 @@
         <p:spPr>
           <a:xfrm>
             <a:off x="559800" y="446040"/>
-            <a:ext cx="4284000" cy="684000"/>
+            <a:ext cx="4283640" cy="683640"/>
           </a:xfrm>
           <a:prstGeom prst="rect">
             <a:avLst/>
@@ -7750,7 +7750,7 @@
         <p:spPr>
           <a:xfrm>
             <a:off x="5097600" y="360"/>
-            <a:ext cx="4380120" cy="5144400"/>
+            <a:ext cx="4379760" cy="5144040"/>
           </a:xfrm>
           <a:prstGeom prst="roundRect">
             <a:avLst>
@@ -7815,8 +7815,8 @@
         </p:nvSpPr>
         <p:spPr>
           <a:xfrm rot="2744400">
-            <a:off x="-281520" y="-25920"/>
-            <a:ext cx="704880" cy="704520"/>
+            <a:off x="-281160" y="-25920"/>
+            <a:ext cx="704520" cy="704160"/>
           </a:xfrm>
           <a:prstGeom prst="roundRect">
             <a:avLst>
@@ -7854,7 +7854,7 @@
         <p:spPr>
           <a:xfrm rot="2625600">
             <a:off x="4861080" y="4146840"/>
-            <a:ext cx="468720" cy="468720"/>
+            <a:ext cx="468360" cy="468360"/>
           </a:xfrm>
           <a:prstGeom prst="roundRect">
             <a:avLst>
@@ -7928,8 +7928,8 @@
         </p:nvSpPr>
         <p:spPr>
           <a:xfrm rot="2744400">
-            <a:off x="-350640" y="4540320"/>
-            <a:ext cx="704880" cy="704520"/>
+            <a:off x="-350280" y="4539960"/>
+            <a:ext cx="704520" cy="704160"/>
           </a:xfrm>
           <a:prstGeom prst="roundRect">
             <a:avLst>
@@ -7966,8 +7966,8 @@
         </p:nvSpPr>
         <p:spPr>
           <a:xfrm rot="19228200">
-            <a:off x="5846760" y="-2266920"/>
-            <a:ext cx="4855680" cy="7726680"/>
+            <a:off x="5846400" y="-2266560"/>
+            <a:ext cx="4855320" cy="7726320"/>
           </a:xfrm>
           <a:prstGeom prst="roundRect">
             <a:avLst>
@@ -8005,9 +8005,9 @@
         <p:grpSpPr>
           <a:xfrm>
             <a:off x="4571640" y="828000"/>
-            <a:ext cx="4468680" cy="3564720"/>
+            <a:ext cx="4468320" cy="3564360"/>
             <a:chOff x="4571640" y="828000"/>
-            <a:chExt cx="4468680" cy="3564720"/>
+            <a:chExt cx="4468320" cy="3564360"/>
           </a:xfrm>
         </p:grpSpPr>
         <p:pic>
@@ -8023,7 +8023,7 @@
           <p:spPr>
             <a:xfrm>
               <a:off x="4571640" y="828000"/>
-              <a:ext cx="4468680" cy="3564720"/>
+              <a:ext cx="4468320" cy="3564360"/>
             </a:xfrm>
             <a:prstGeom prst="rect">
               <a:avLst/>
@@ -8041,8 +8041,8 @@
           </p:nvSpPr>
           <p:spPr>
             <a:xfrm rot="16200000">
-              <a:off x="5962680" y="1158480"/>
-              <a:ext cx="1737720" cy="2771640"/>
+              <a:off x="5962680" y="1158840"/>
+              <a:ext cx="1737360" cy="2771280"/>
             </a:xfrm>
             <a:prstGeom prst="roundRect">
               <a:avLst>
@@ -8109,7 +8109,7 @@
         <p:spPr>
           <a:xfrm>
             <a:off x="586440" y="1246680"/>
-            <a:ext cx="4004640" cy="3600360"/>
+            <a:ext cx="4004280" cy="3600000"/>
           </a:xfrm>
           <a:prstGeom prst="rect">
             <a:avLst/>
@@ -8161,7 +8161,7 @@
         <p:spPr>
           <a:xfrm>
             <a:off x="5446080" y="1672200"/>
-            <a:ext cx="2780640" cy="1737720"/>
+            <a:ext cx="2780280" cy="1737360"/>
           </a:xfrm>
           <a:prstGeom prst="rect">
             <a:avLst/>
@@ -8213,7 +8213,7 @@
         <p:spPr>
           <a:xfrm>
             <a:off x="586440" y="453960"/>
-            <a:ext cx="3697200" cy="855720"/>
+            <a:ext cx="3696840" cy="855360"/>
           </a:xfrm>
           <a:prstGeom prst="rect">
             <a:avLst/>
@@ -8302,7 +8302,7 @@
         <p:spPr>
           <a:xfrm>
             <a:off x="4222080" y="1246680"/>
-            <a:ext cx="4115520" cy="3600360"/>
+            <a:ext cx="4115160" cy="3600000"/>
           </a:xfrm>
           <a:prstGeom prst="rect">
             <a:avLst/>
@@ -8353,8 +8353,8 @@
         </p:nvSpPr>
         <p:spPr>
           <a:xfrm rot="16200000">
-            <a:off x="-2181600" y="1733040"/>
-            <a:ext cx="5144400" cy="1684440"/>
+            <a:off x="-2181600" y="1733400"/>
+            <a:ext cx="5144040" cy="1684080"/>
           </a:xfrm>
           <a:prstGeom prst="roundRect">
             <a:avLst>
@@ -8391,8 +8391,8 @@
         </p:nvSpPr>
         <p:spPr>
           <a:xfrm rot="2745000">
-            <a:off x="8575200" y="104040"/>
-            <a:ext cx="1132920" cy="1132560"/>
+            <a:off x="8575200" y="103680"/>
+            <a:ext cx="1132560" cy="1132200"/>
           </a:xfrm>
           <a:prstGeom prst="roundRect">
             <a:avLst>
@@ -8429,8 +8429,8 @@
         </p:nvSpPr>
         <p:spPr>
           <a:xfrm rot="16200000">
-            <a:off x="614880" y="918360"/>
-            <a:ext cx="3232440" cy="3314160"/>
+            <a:off x="614880" y="918720"/>
+            <a:ext cx="3232080" cy="3313800"/>
           </a:xfrm>
           <a:prstGeom prst="roundRect">
             <a:avLst>
@@ -8496,7 +8496,7 @@
         <p:spPr>
           <a:xfrm>
             <a:off x="4214160" y="456120"/>
-            <a:ext cx="4112280" cy="855720"/>
+            <a:ext cx="4111920" cy="855360"/>
           </a:xfrm>
           <a:prstGeom prst="rect">
             <a:avLst/>
@@ -8584,8 +8584,8 @@
         </p:nvSpPr>
         <p:spPr>
           <a:xfrm rot="2744400">
-            <a:off x="-281520" y="-25920"/>
-            <a:ext cx="704880" cy="704520"/>
+            <a:off x="-281160" y="-25920"/>
+            <a:ext cx="704520" cy="704160"/>
           </a:xfrm>
           <a:prstGeom prst="roundRect">
             <a:avLst>
@@ -8623,7 +8623,7 @@
         <p:spPr>
           <a:xfrm rot="2332200">
             <a:off x="6009480" y="-319680"/>
-            <a:ext cx="4856040" cy="7727040"/>
+            <a:ext cx="4855680" cy="7726680"/>
           </a:xfrm>
           <a:prstGeom prst="roundRect">
             <a:avLst>
@@ -8661,9 +8661,9 @@
         <p:grpSpPr>
           <a:xfrm>
             <a:off x="4571640" y="828000"/>
-            <a:ext cx="4468680" cy="3564720"/>
+            <a:ext cx="4468320" cy="3564360"/>
             <a:chOff x="4571640" y="828000"/>
-            <a:chExt cx="4468680" cy="3564720"/>
+            <a:chExt cx="4468320" cy="3564360"/>
           </a:xfrm>
         </p:grpSpPr>
         <p:pic>
@@ -8679,7 +8679,7 @@
           <p:spPr>
             <a:xfrm>
               <a:off x="4571640" y="828000"/>
-              <a:ext cx="4468680" cy="3564720"/>
+              <a:ext cx="4468320" cy="3564360"/>
             </a:xfrm>
             <a:prstGeom prst="rect">
               <a:avLst/>
@@ -8697,8 +8697,8 @@
           </p:nvSpPr>
           <p:spPr>
             <a:xfrm rot="16200000">
-              <a:off x="5962680" y="1158480"/>
-              <a:ext cx="1737720" cy="2771640"/>
+              <a:off x="5962680" y="1158840"/>
+              <a:ext cx="1737360" cy="2771280"/>
             </a:xfrm>
             <a:prstGeom prst="roundRect">
               <a:avLst>
@@ -8765,7 +8765,7 @@
         <p:spPr>
           <a:xfrm>
             <a:off x="5446080" y="1672200"/>
-            <a:ext cx="2771280" cy="1737720"/>
+            <a:ext cx="2770920" cy="1737360"/>
           </a:xfrm>
           <a:prstGeom prst="rect">
             <a:avLst/>
@@ -8817,7 +8817,7 @@
         <p:spPr>
           <a:xfrm>
             <a:off x="586440" y="1246680"/>
-            <a:ext cx="4004640" cy="3600360"/>
+            <a:ext cx="4004280" cy="3600000"/>
           </a:xfrm>
           <a:prstGeom prst="rect">
             <a:avLst/>
@@ -8869,7 +8869,7 @@
         <p:spPr>
           <a:xfrm>
             <a:off x="586440" y="453960"/>
-            <a:ext cx="4764600" cy="855720"/>
+            <a:ext cx="4764240" cy="855360"/>
           </a:xfrm>
           <a:prstGeom prst="rect">
             <a:avLst/>
@@ -8958,7 +8958,7 @@
         <p:spPr>
           <a:xfrm rot="2745600">
             <a:off x="8349840" y="-668160"/>
-            <a:ext cx="1498680" cy="1498680"/>
+            <a:ext cx="1498320" cy="1498320"/>
           </a:xfrm>
           <a:prstGeom prst="roundRect">
             <a:avLst>
@@ -8995,8 +8995,8 @@
         </p:nvSpPr>
         <p:spPr>
           <a:xfrm rot="2745600">
-            <a:off x="7634160" y="-322560"/>
-            <a:ext cx="807480" cy="807840"/>
+            <a:off x="7634160" y="-322200"/>
+            <a:ext cx="807120" cy="807480"/>
           </a:xfrm>
           <a:prstGeom prst="roundRect">
             <a:avLst>
@@ -9035,7 +9035,7 @@
         <p:spPr>
           <a:xfrm>
             <a:off x="586440" y="899640"/>
-            <a:ext cx="7932240" cy="1537560"/>
+            <a:ext cx="7931880" cy="1537200"/>
           </a:xfrm>
           <a:prstGeom prst="rect">
             <a:avLst/>
@@ -9087,7 +9087,7 @@
         <p:spPr>
           <a:xfrm>
             <a:off x="608040" y="2545560"/>
-            <a:ext cx="3712680" cy="2256120"/>
+            <a:ext cx="3712320" cy="2255760"/>
           </a:xfrm>
           <a:prstGeom prst="rect">
             <a:avLst/>
@@ -9139,7 +9139,7 @@
         <p:spPr>
           <a:xfrm>
             <a:off x="4806360" y="2545560"/>
-            <a:ext cx="3712680" cy="2256120"/>
+            <a:ext cx="3712320" cy="2255760"/>
           </a:xfrm>
           <a:prstGeom prst="rect">
             <a:avLst/>
@@ -9191,7 +9191,7 @@
         <p:spPr>
           <a:xfrm>
             <a:off x="583200" y="450720"/>
-            <a:ext cx="7198560" cy="512640"/>
+            <a:ext cx="7198200" cy="512280"/>
           </a:xfrm>
           <a:prstGeom prst="rect">
             <a:avLst/>
@@ -9273,7 +9273,7 @@
         <p:spPr>
           <a:xfrm>
             <a:off x="586440" y="1246680"/>
-            <a:ext cx="4004640" cy="3600360"/>
+            <a:ext cx="4004280" cy="3600000"/>
           </a:xfrm>
           <a:prstGeom prst="rect">
             <a:avLst/>
@@ -9325,7 +9325,7 @@
         <p:spPr>
           <a:xfrm>
             <a:off x="559800" y="446040"/>
-            <a:ext cx="4284000" cy="684000"/>
+            <a:ext cx="4283640" cy="683640"/>
           </a:xfrm>
           <a:prstGeom prst="rect">
             <a:avLst/>
@@ -9377,7 +9377,7 @@
         <p:spPr>
           <a:xfrm>
             <a:off x="5097600" y="360"/>
-            <a:ext cx="4380120" cy="5144400"/>
+            <a:ext cx="4379760" cy="5144040"/>
           </a:xfrm>
           <a:prstGeom prst="roundRect">
             <a:avLst>
@@ -9442,8 +9442,8 @@
         </p:nvSpPr>
         <p:spPr>
           <a:xfrm rot="2744400">
-            <a:off x="-281520" y="-25920"/>
-            <a:ext cx="704880" cy="704520"/>
+            <a:off x="-281160" y="-25920"/>
+            <a:ext cx="704520" cy="704160"/>
           </a:xfrm>
           <a:prstGeom prst="roundRect">
             <a:avLst>
@@ -9481,7 +9481,7 @@
         <p:spPr>
           <a:xfrm rot="2625600">
             <a:off x="4861080" y="4146840"/>
-            <a:ext cx="468720" cy="468720"/>
+            <a:ext cx="468360" cy="468360"/>
           </a:xfrm>
           <a:prstGeom prst="roundRect">
             <a:avLst>
@@ -9555,8 +9555,8 @@
         </p:nvSpPr>
         <p:spPr>
           <a:xfrm rot="2744400">
-            <a:off x="-350640" y="4540320"/>
-            <a:ext cx="704880" cy="704520"/>
+            <a:off x="-350280" y="4539960"/>
+            <a:ext cx="704520" cy="704160"/>
           </a:xfrm>
           <a:prstGeom prst="roundRect">
             <a:avLst>
@@ -9593,8 +9593,8 @@
         </p:nvSpPr>
         <p:spPr>
           <a:xfrm rot="19228200">
-            <a:off x="5846760" y="-2266920"/>
-            <a:ext cx="4855680" cy="7726680"/>
+            <a:off x="5846400" y="-2266560"/>
+            <a:ext cx="4855320" cy="7726320"/>
           </a:xfrm>
           <a:prstGeom prst="roundRect">
             <a:avLst>
@@ -9632,9 +9632,9 @@
         <p:grpSpPr>
           <a:xfrm>
             <a:off x="4571640" y="828000"/>
-            <a:ext cx="4468680" cy="3564720"/>
+            <a:ext cx="4468320" cy="3564360"/>
             <a:chOff x="4571640" y="828000"/>
-            <a:chExt cx="4468680" cy="3564720"/>
+            <a:chExt cx="4468320" cy="3564360"/>
           </a:xfrm>
         </p:grpSpPr>
         <p:pic>
@@ -9650,7 +9650,7 @@
           <p:spPr>
             <a:xfrm>
               <a:off x="4571640" y="828000"/>
-              <a:ext cx="4468680" cy="3564720"/>
+              <a:ext cx="4468320" cy="3564360"/>
             </a:xfrm>
             <a:prstGeom prst="rect">
               <a:avLst/>
@@ -9668,8 +9668,8 @@
           </p:nvSpPr>
           <p:spPr>
             <a:xfrm rot="16200000">
-              <a:off x="5962680" y="1158480"/>
-              <a:ext cx="1737720" cy="2771640"/>
+              <a:off x="5962680" y="1158840"/>
+              <a:ext cx="1737360" cy="2771280"/>
             </a:xfrm>
             <a:prstGeom prst="roundRect">
               <a:avLst>
@@ -9736,7 +9736,7 @@
         <p:spPr>
           <a:xfrm>
             <a:off x="586440" y="1246680"/>
-            <a:ext cx="4004640" cy="3600360"/>
+            <a:ext cx="4004280" cy="3600000"/>
           </a:xfrm>
           <a:prstGeom prst="rect">
             <a:avLst/>
@@ -9788,7 +9788,7 @@
         <p:spPr>
           <a:xfrm>
             <a:off x="5446080" y="1672200"/>
-            <a:ext cx="2780640" cy="1737720"/>
+            <a:ext cx="2780280" cy="1737360"/>
           </a:xfrm>
           <a:prstGeom prst="rect">
             <a:avLst/>
@@ -9840,7 +9840,7 @@
         <p:spPr>
           <a:xfrm>
             <a:off x="586440" y="453960"/>
-            <a:ext cx="3697200" cy="855720"/>
+            <a:ext cx="3696840" cy="855360"/>
           </a:xfrm>
           <a:prstGeom prst="rect">
             <a:avLst/>
@@ -9929,7 +9929,7 @@
         <p:spPr>
           <a:xfrm>
             <a:off x="4222080" y="1246680"/>
-            <a:ext cx="4115520" cy="3600360"/>
+            <a:ext cx="4115160" cy="3600000"/>
           </a:xfrm>
           <a:prstGeom prst="rect">
             <a:avLst/>
@@ -9980,8 +9980,8 @@
         </p:nvSpPr>
         <p:spPr>
           <a:xfrm rot="16200000">
-            <a:off x="-2181600" y="1733040"/>
-            <a:ext cx="5144400" cy="1684440"/>
+            <a:off x="-2181600" y="1733400"/>
+            <a:ext cx="5144040" cy="1684080"/>
           </a:xfrm>
           <a:prstGeom prst="roundRect">
             <a:avLst>
@@ -10018,8 +10018,8 @@
         </p:nvSpPr>
         <p:spPr>
           <a:xfrm rot="2745000">
-            <a:off x="8575200" y="104040"/>
-            <a:ext cx="1132920" cy="1132560"/>
+            <a:off x="8575200" y="103680"/>
+            <a:ext cx="1132560" cy="1132200"/>
           </a:xfrm>
           <a:prstGeom prst="roundRect">
             <a:avLst>
@@ -10056,8 +10056,8 @@
         </p:nvSpPr>
         <p:spPr>
           <a:xfrm rot="16200000">
-            <a:off x="614880" y="918360"/>
-            <a:ext cx="3232440" cy="3314160"/>
+            <a:off x="614880" y="918720"/>
+            <a:ext cx="3232080" cy="3313800"/>
           </a:xfrm>
           <a:prstGeom prst="roundRect">
             <a:avLst>
@@ -10123,7 +10123,7 @@
         <p:spPr>
           <a:xfrm>
             <a:off x="4214160" y="456120"/>
-            <a:ext cx="4112280" cy="855720"/>
+            <a:ext cx="4111920" cy="855360"/>
           </a:xfrm>
           <a:prstGeom prst="rect">
             <a:avLst/>
@@ -10205,7 +10205,7 @@
         <p:spPr>
           <a:xfrm>
             <a:off x="586440" y="1246680"/>
-            <a:ext cx="4004640" cy="3600360"/>
+            <a:ext cx="4004280" cy="3600000"/>
           </a:xfrm>
           <a:prstGeom prst="rect">
             <a:avLst/>
@@ -10257,7 +10257,7 @@
         <p:spPr>
           <a:xfrm>
             <a:off x="559800" y="446040"/>
-            <a:ext cx="4284000" cy="684000"/>
+            <a:ext cx="4283640" cy="683640"/>
           </a:xfrm>
           <a:prstGeom prst="rect">
             <a:avLst/>
@@ -10309,7 +10309,7 @@
         <p:spPr>
           <a:xfrm>
             <a:off x="5097600" y="360"/>
-            <a:ext cx="4380120" cy="5144400"/>
+            <a:ext cx="4379760" cy="5144040"/>
           </a:xfrm>
           <a:prstGeom prst="roundRect">
             <a:avLst>
@@ -10374,8 +10374,8 @@
         </p:nvSpPr>
         <p:spPr>
           <a:xfrm rot="2744400">
-            <a:off x="-281520" y="-25920"/>
-            <a:ext cx="704880" cy="704520"/>
+            <a:off x="-281160" y="-25920"/>
+            <a:ext cx="704520" cy="704160"/>
           </a:xfrm>
           <a:prstGeom prst="roundRect">
             <a:avLst>
@@ -10413,7 +10413,7 @@
         <p:spPr>
           <a:xfrm rot="2625600">
             <a:off x="4861080" y="4146840"/>
-            <a:ext cx="468720" cy="468720"/>
+            <a:ext cx="468360" cy="468360"/>
           </a:xfrm>
           <a:prstGeom prst="roundRect">
             <a:avLst>
@@ -10487,8 +10487,8 @@
         </p:nvSpPr>
         <p:spPr>
           <a:xfrm rot="2744400">
-            <a:off x="-281520" y="-25920"/>
-            <a:ext cx="704880" cy="704520"/>
+            <a:off x="-281160" y="-25920"/>
+            <a:ext cx="704520" cy="704160"/>
           </a:xfrm>
           <a:prstGeom prst="roundRect">
             <a:avLst>
@@ -10526,7 +10526,7 @@
         <p:spPr>
           <a:xfrm rot="2332200">
             <a:off x="6009480" y="-319680"/>
-            <a:ext cx="4856040" cy="7727040"/>
+            <a:ext cx="4855680" cy="7726680"/>
           </a:xfrm>
           <a:prstGeom prst="roundRect">
             <a:avLst>
@@ -10564,9 +10564,9 @@
         <p:grpSpPr>
           <a:xfrm>
             <a:off x="4571640" y="828000"/>
-            <a:ext cx="4468680" cy="3564720"/>
+            <a:ext cx="4468320" cy="3564360"/>
             <a:chOff x="4571640" y="828000"/>
-            <a:chExt cx="4468680" cy="3564720"/>
+            <a:chExt cx="4468320" cy="3564360"/>
           </a:xfrm>
         </p:grpSpPr>
         <p:pic>
@@ -10582,7 +10582,7 @@
           <p:spPr>
             <a:xfrm>
               <a:off x="4571640" y="828000"/>
-              <a:ext cx="4468680" cy="3564720"/>
+              <a:ext cx="4468320" cy="3564360"/>
             </a:xfrm>
             <a:prstGeom prst="rect">
               <a:avLst/>
@@ -10600,8 +10600,8 @@
           </p:nvSpPr>
           <p:spPr>
             <a:xfrm rot="16200000">
-              <a:off x="5962680" y="1158480"/>
-              <a:ext cx="1737720" cy="2771640"/>
+              <a:off x="5962680" y="1158840"/>
+              <a:ext cx="1737360" cy="2771280"/>
             </a:xfrm>
             <a:prstGeom prst="roundRect">
               <a:avLst>
@@ -10668,7 +10668,7 @@
         <p:spPr>
           <a:xfrm>
             <a:off x="5446080" y="1672200"/>
-            <a:ext cx="2771280" cy="1737720"/>
+            <a:ext cx="2770920" cy="1737360"/>
           </a:xfrm>
           <a:prstGeom prst="rect">
             <a:avLst/>
@@ -10720,7 +10720,7 @@
         <p:spPr>
           <a:xfrm>
             <a:off x="586440" y="1246680"/>
-            <a:ext cx="4004640" cy="3600360"/>
+            <a:ext cx="4004280" cy="3600000"/>
           </a:xfrm>
           <a:prstGeom prst="rect">
             <a:avLst/>
@@ -10772,7 +10772,7 @@
         <p:spPr>
           <a:xfrm>
             <a:off x="586440" y="453960"/>
-            <a:ext cx="4764600" cy="855720"/>
+            <a:ext cx="4764240" cy="855360"/>
           </a:xfrm>
           <a:prstGeom prst="rect">
             <a:avLst/>
@@ -10861,7 +10861,7 @@
         <p:spPr>
           <a:xfrm rot="2745600">
             <a:off x="8349840" y="-668160"/>
-            <a:ext cx="1498680" cy="1498680"/>
+            <a:ext cx="1498320" cy="1498320"/>
           </a:xfrm>
           <a:prstGeom prst="roundRect">
             <a:avLst>
@@ -10898,8 +10898,8 @@
         </p:nvSpPr>
         <p:spPr>
           <a:xfrm rot="2745600">
-            <a:off x="7634160" y="-322560"/>
-            <a:ext cx="807480" cy="807840"/>
+            <a:off x="7634160" y="-322200"/>
+            <a:ext cx="807120" cy="807480"/>
           </a:xfrm>
           <a:prstGeom prst="roundRect">
             <a:avLst>
@@ -10938,7 +10938,7 @@
         <p:spPr>
           <a:xfrm>
             <a:off x="586440" y="899640"/>
-            <a:ext cx="7932240" cy="1537560"/>
+            <a:ext cx="7931880" cy="1537200"/>
           </a:xfrm>
           <a:prstGeom prst="rect">
             <a:avLst/>
@@ -10990,7 +10990,7 @@
         <p:spPr>
           <a:xfrm>
             <a:off x="608040" y="2545560"/>
-            <a:ext cx="3712680" cy="2256120"/>
+            <a:ext cx="3712320" cy="2255760"/>
           </a:xfrm>
           <a:prstGeom prst="rect">
             <a:avLst/>
@@ -11042,7 +11042,7 @@
         <p:spPr>
           <a:xfrm>
             <a:off x="4806360" y="2545560"/>
-            <a:ext cx="3712680" cy="2256120"/>
+            <a:ext cx="3712320" cy="2255760"/>
           </a:xfrm>
           <a:prstGeom prst="rect">
             <a:avLst/>
@@ -11094,7 +11094,7 @@
         <p:spPr>
           <a:xfrm>
             <a:off x="583200" y="450720"/>
-            <a:ext cx="7198560" cy="512640"/>
+            <a:ext cx="7198200" cy="512280"/>
           </a:xfrm>
           <a:prstGeom prst="rect">
             <a:avLst/>
@@ -11176,7 +11176,7 @@
         <p:spPr>
           <a:xfrm>
             <a:off x="586440" y="1246680"/>
-            <a:ext cx="4004640" cy="3600360"/>
+            <a:ext cx="4004280" cy="3600000"/>
           </a:xfrm>
           <a:prstGeom prst="rect">
             <a:avLst/>
@@ -11228,7 +11228,7 @@
         <p:spPr>
           <a:xfrm>
             <a:off x="559800" y="446040"/>
-            <a:ext cx="4284000" cy="684000"/>
+            <a:ext cx="4283640" cy="683640"/>
           </a:xfrm>
           <a:prstGeom prst="rect">
             <a:avLst/>
@@ -11280,7 +11280,7 @@
         <p:spPr>
           <a:xfrm>
             <a:off x="5097600" y="360"/>
-            <a:ext cx="4380120" cy="5144400"/>
+            <a:ext cx="4379760" cy="5144040"/>
           </a:xfrm>
           <a:prstGeom prst="roundRect">
             <a:avLst>
@@ -11345,8 +11345,8 @@
         </p:nvSpPr>
         <p:spPr>
           <a:xfrm rot="2744400">
-            <a:off x="-281520" y="-25920"/>
-            <a:ext cx="704880" cy="704520"/>
+            <a:off x="-281160" y="-25920"/>
+            <a:ext cx="704520" cy="704160"/>
           </a:xfrm>
           <a:prstGeom prst="roundRect">
             <a:avLst>
@@ -11384,7 +11384,7 @@
         <p:spPr>
           <a:xfrm rot="2625600">
             <a:off x="4861080" y="4146840"/>
-            <a:ext cx="468720" cy="468720"/>
+            <a:ext cx="468360" cy="468360"/>
           </a:xfrm>
           <a:prstGeom prst="roundRect">
             <a:avLst>
@@ -11458,8 +11458,8 @@
         </p:nvSpPr>
         <p:spPr>
           <a:xfrm rot="2744400">
-            <a:off x="-350640" y="4540320"/>
-            <a:ext cx="704880" cy="704520"/>
+            <a:off x="-350280" y="4539960"/>
+            <a:ext cx="704520" cy="704160"/>
           </a:xfrm>
           <a:prstGeom prst="roundRect">
             <a:avLst>
@@ -11496,8 +11496,8 @@
         </p:nvSpPr>
         <p:spPr>
           <a:xfrm rot="19228200">
-            <a:off x="5846760" y="-2266920"/>
-            <a:ext cx="4855680" cy="7726680"/>
+            <a:off x="5846400" y="-2266560"/>
+            <a:ext cx="4855320" cy="7726320"/>
           </a:xfrm>
           <a:prstGeom prst="roundRect">
             <a:avLst>
@@ -11535,9 +11535,9 @@
         <p:grpSpPr>
           <a:xfrm>
             <a:off x="4571640" y="828000"/>
-            <a:ext cx="4468680" cy="3564720"/>
+            <a:ext cx="4468320" cy="3564360"/>
             <a:chOff x="4571640" y="828000"/>
-            <a:chExt cx="4468680" cy="3564720"/>
+            <a:chExt cx="4468320" cy="3564360"/>
           </a:xfrm>
         </p:grpSpPr>
         <p:pic>
@@ -11553,7 +11553,7 @@
           <p:spPr>
             <a:xfrm>
               <a:off x="4571640" y="828000"/>
-              <a:ext cx="4468680" cy="3564720"/>
+              <a:ext cx="4468320" cy="3564360"/>
             </a:xfrm>
             <a:prstGeom prst="rect">
               <a:avLst/>
@@ -11571,8 +11571,8 @@
           </p:nvSpPr>
           <p:spPr>
             <a:xfrm rot="16200000">
-              <a:off x="5962680" y="1158480"/>
-              <a:ext cx="1737720" cy="2771640"/>
+              <a:off x="5962680" y="1158840"/>
+              <a:ext cx="1737360" cy="2771280"/>
             </a:xfrm>
             <a:prstGeom prst="roundRect">
               <a:avLst>
@@ -11639,7 +11639,7 @@
         <p:spPr>
           <a:xfrm>
             <a:off x="586440" y="1246680"/>
-            <a:ext cx="4004640" cy="3600360"/>
+            <a:ext cx="4004280" cy="3600000"/>
           </a:xfrm>
           <a:prstGeom prst="rect">
             <a:avLst/>
@@ -11691,7 +11691,7 @@
         <p:spPr>
           <a:xfrm>
             <a:off x="5446080" y="1672200"/>
-            <a:ext cx="2780640" cy="1737720"/>
+            <a:ext cx="2780280" cy="1737360"/>
           </a:xfrm>
           <a:prstGeom prst="rect">
             <a:avLst/>
@@ -11743,7 +11743,7 @@
         <p:spPr>
           <a:xfrm>
             <a:off x="586440" y="453960"/>
-            <a:ext cx="3697200" cy="855720"/>
+            <a:ext cx="3696840" cy="855360"/>
           </a:xfrm>
           <a:prstGeom prst="rect">
             <a:avLst/>
@@ -11832,7 +11832,7 @@
         <p:spPr>
           <a:xfrm>
             <a:off x="4222080" y="1246680"/>
-            <a:ext cx="4115520" cy="3600360"/>
+            <a:ext cx="4115160" cy="3600000"/>
           </a:xfrm>
           <a:prstGeom prst="rect">
             <a:avLst/>
@@ -11883,8 +11883,8 @@
         </p:nvSpPr>
         <p:spPr>
           <a:xfrm rot="16200000">
-            <a:off x="-2181600" y="1733040"/>
-            <a:ext cx="5144400" cy="1684440"/>
+            <a:off x="-2181600" y="1733400"/>
+            <a:ext cx="5144040" cy="1684080"/>
           </a:xfrm>
           <a:prstGeom prst="roundRect">
             <a:avLst>
@@ -11921,8 +11921,8 @@
         </p:nvSpPr>
         <p:spPr>
           <a:xfrm rot="2745000">
-            <a:off x="8575200" y="104040"/>
-            <a:ext cx="1132920" cy="1132560"/>
+            <a:off x="8575200" y="103680"/>
+            <a:ext cx="1132560" cy="1132200"/>
           </a:xfrm>
           <a:prstGeom prst="roundRect">
             <a:avLst>
@@ -11959,8 +11959,8 @@
         </p:nvSpPr>
         <p:spPr>
           <a:xfrm rot="16200000">
-            <a:off x="614880" y="918360"/>
-            <a:ext cx="3232440" cy="3314160"/>
+            <a:off x="614880" y="918720"/>
+            <a:ext cx="3232080" cy="3313800"/>
           </a:xfrm>
           <a:prstGeom prst="roundRect">
             <a:avLst>
@@ -12026,7 +12026,7 @@
         <p:spPr>
           <a:xfrm>
             <a:off x="4214160" y="456120"/>
-            <a:ext cx="4112280" cy="855720"/>
+            <a:ext cx="4111920" cy="855360"/>
           </a:xfrm>
           <a:prstGeom prst="rect">
             <a:avLst/>
@@ -12114,8 +12114,8 @@
         </p:nvSpPr>
         <p:spPr>
           <a:xfrm rot="2744400">
-            <a:off x="-281520" y="-25920"/>
-            <a:ext cx="704880" cy="704520"/>
+            <a:off x="-281160" y="-25920"/>
+            <a:ext cx="704520" cy="704160"/>
           </a:xfrm>
           <a:prstGeom prst="roundRect">
             <a:avLst>
@@ -12153,7 +12153,7 @@
         <p:spPr>
           <a:xfrm>
             <a:off x="569160" y="1888920"/>
-            <a:ext cx="4821480" cy="820800"/>
+            <a:ext cx="4821120" cy="820800"/>
           </a:xfrm>
           <a:prstGeom prst="rect">
             <a:avLst/>
@@ -12204,8 +12204,8 @@
         </p:nvSpPr>
         <p:spPr>
           <a:xfrm rot="18679800">
-            <a:off x="6782400" y="457560"/>
-            <a:ext cx="6251040" cy="4666680"/>
+            <a:off x="6782040" y="457560"/>
+            <a:ext cx="6250680" cy="4666320"/>
           </a:xfrm>
           <a:prstGeom prst="roundRect">
             <a:avLst>
@@ -12243,7 +12243,7 @@
         <p:spPr>
           <a:xfrm rot="2625600">
             <a:off x="6024960" y="4332960"/>
-            <a:ext cx="468720" cy="468720"/>
+            <a:ext cx="468360" cy="468360"/>
           </a:xfrm>
           <a:prstGeom prst="roundRect">
             <a:avLst>
@@ -12281,7 +12281,7 @@
         <p:spPr>
           <a:xfrm>
             <a:off x="1640880" y="4592880"/>
-            <a:ext cx="2995920" cy="266760"/>
+            <a:ext cx="2995560" cy="266400"/>
           </a:xfrm>
           <a:prstGeom prst="rect">
             <a:avLst/>
@@ -12343,7 +12343,7 @@
         <p:spPr>
           <a:xfrm>
             <a:off x="867240" y="3590280"/>
-            <a:ext cx="253800" cy="254160"/>
+            <a:ext cx="253440" cy="253800"/>
           </a:xfrm>
           <a:prstGeom prst="ellipse">
             <a:avLst/>
@@ -12378,7 +12378,7 @@
         <p:spPr>
           <a:xfrm>
             <a:off x="351000" y="3793320"/>
-            <a:ext cx="1286280" cy="1131840"/>
+            <a:ext cx="1285920" cy="1131480"/>
           </a:xfrm>
           <a:prstGeom prst="rect">
             <a:avLst/>
@@ -12433,8 +12433,8 @@
         </p:nvSpPr>
         <p:spPr>
           <a:xfrm rot="2744400">
-            <a:off x="-350640" y="4540320"/>
-            <a:ext cx="704880" cy="704520"/>
+            <a:off x="-350280" y="4539960"/>
+            <a:ext cx="704520" cy="704160"/>
           </a:xfrm>
           <a:prstGeom prst="roundRect">
             <a:avLst>
@@ -12471,8 +12471,8 @@
         </p:nvSpPr>
         <p:spPr>
           <a:xfrm rot="19228200">
-            <a:off x="5846760" y="-2266920"/>
-            <a:ext cx="4855680" cy="7726680"/>
+            <a:off x="5846400" y="-2266560"/>
+            <a:ext cx="4855320" cy="7726320"/>
           </a:xfrm>
           <a:prstGeom prst="roundRect">
             <a:avLst>
@@ -12510,9 +12510,9 @@
         <p:grpSpPr>
           <a:xfrm>
             <a:off x="4571640" y="828000"/>
-            <a:ext cx="4468680" cy="3564720"/>
+            <a:ext cx="4468320" cy="3564360"/>
             <a:chOff x="4571640" y="828000"/>
-            <a:chExt cx="4468680" cy="3564720"/>
+            <a:chExt cx="4468320" cy="3564360"/>
           </a:xfrm>
         </p:grpSpPr>
         <p:pic>
@@ -12528,7 +12528,7 @@
           <p:spPr>
             <a:xfrm>
               <a:off x="4571640" y="828000"/>
-              <a:ext cx="4468680" cy="3564720"/>
+              <a:ext cx="4468320" cy="3564360"/>
             </a:xfrm>
             <a:prstGeom prst="rect">
               <a:avLst/>
@@ -12546,8 +12546,8 @@
           </p:nvSpPr>
           <p:spPr>
             <a:xfrm rot="16200000">
-              <a:off x="5962680" y="1158480"/>
-              <a:ext cx="1737720" cy="2771640"/>
+              <a:off x="5962680" y="1158840"/>
+              <a:ext cx="1737360" cy="2771280"/>
             </a:xfrm>
             <a:prstGeom prst="roundRect">
               <a:avLst>
@@ -12614,7 +12614,7 @@
         <p:spPr>
           <a:xfrm>
             <a:off x="586440" y="1246680"/>
-            <a:ext cx="4004640" cy="3600360"/>
+            <a:ext cx="4004280" cy="3600000"/>
           </a:xfrm>
           <a:prstGeom prst="rect">
             <a:avLst/>
@@ -12666,7 +12666,7 @@
         <p:spPr>
           <a:xfrm>
             <a:off x="5446080" y="1672200"/>
-            <a:ext cx="2780640" cy="1737720"/>
+            <a:ext cx="2780280" cy="1737360"/>
           </a:xfrm>
           <a:prstGeom prst="rect">
             <a:avLst/>
@@ -12718,7 +12718,7 @@
         <p:spPr>
           <a:xfrm>
             <a:off x="586440" y="453960"/>
-            <a:ext cx="3697200" cy="855720"/>
+            <a:ext cx="3696840" cy="855360"/>
           </a:xfrm>
           <a:prstGeom prst="rect">
             <a:avLst/>
@@ -12807,7 +12807,7 @@
         <p:spPr>
           <a:xfrm>
             <a:off x="4222080" y="1246680"/>
-            <a:ext cx="4115520" cy="3600360"/>
+            <a:ext cx="4115160" cy="3600000"/>
           </a:xfrm>
           <a:prstGeom prst="rect">
             <a:avLst/>
@@ -12858,8 +12858,8 @@
         </p:nvSpPr>
         <p:spPr>
           <a:xfrm rot="16200000">
-            <a:off x="-2181600" y="1733040"/>
-            <a:ext cx="5144400" cy="1684440"/>
+            <a:off x="-2181600" y="1733400"/>
+            <a:ext cx="5144040" cy="1684080"/>
           </a:xfrm>
           <a:prstGeom prst="roundRect">
             <a:avLst>
@@ -12896,8 +12896,8 @@
         </p:nvSpPr>
         <p:spPr>
           <a:xfrm rot="2745000">
-            <a:off x="8575200" y="104040"/>
-            <a:ext cx="1132920" cy="1132560"/>
+            <a:off x="8575200" y="103680"/>
+            <a:ext cx="1132560" cy="1132200"/>
           </a:xfrm>
           <a:prstGeom prst="roundRect">
             <a:avLst>
@@ -12934,8 +12934,8 @@
         </p:nvSpPr>
         <p:spPr>
           <a:xfrm rot="16200000">
-            <a:off x="614880" y="918360"/>
-            <a:ext cx="3232440" cy="3314160"/>
+            <a:off x="614880" y="918720"/>
+            <a:ext cx="3232080" cy="3313800"/>
           </a:xfrm>
           <a:prstGeom prst="roundRect">
             <a:avLst>
@@ -13001,7 +13001,7 @@
         <p:spPr>
           <a:xfrm>
             <a:off x="4214160" y="456120"/>
-            <a:ext cx="4112280" cy="855720"/>
+            <a:ext cx="4111920" cy="855360"/>
           </a:xfrm>
           <a:prstGeom prst="rect">
             <a:avLst/>
@@ -13089,8 +13089,8 @@
         </p:nvSpPr>
         <p:spPr>
           <a:xfrm rot="2744400">
-            <a:off x="-281520" y="-25920"/>
-            <a:ext cx="704880" cy="704520"/>
+            <a:off x="-281160" y="-25920"/>
+            <a:ext cx="704520" cy="704160"/>
           </a:xfrm>
           <a:prstGeom prst="roundRect">
             <a:avLst>
@@ -13128,7 +13128,7 @@
         <p:spPr>
           <a:xfrm rot="2332200">
             <a:off x="6009480" y="-319680"/>
-            <a:ext cx="4856040" cy="7727040"/>
+            <a:ext cx="4855680" cy="7726680"/>
           </a:xfrm>
           <a:prstGeom prst="roundRect">
             <a:avLst>
@@ -13166,9 +13166,9 @@
         <p:grpSpPr>
           <a:xfrm>
             <a:off x="4571640" y="828000"/>
-            <a:ext cx="4468680" cy="3564720"/>
+            <a:ext cx="4468320" cy="3564360"/>
             <a:chOff x="4571640" y="828000"/>
-            <a:chExt cx="4468680" cy="3564720"/>
+            <a:chExt cx="4468320" cy="3564360"/>
           </a:xfrm>
         </p:grpSpPr>
         <p:pic>
@@ -13184,7 +13184,7 @@
           <p:spPr>
             <a:xfrm>
               <a:off x="4571640" y="828000"/>
-              <a:ext cx="4468680" cy="3564720"/>
+              <a:ext cx="4468320" cy="3564360"/>
             </a:xfrm>
             <a:prstGeom prst="rect">
               <a:avLst/>
@@ -13202,8 +13202,8 @@
           </p:nvSpPr>
           <p:spPr>
             <a:xfrm rot="16200000">
-              <a:off x="5962680" y="1158480"/>
-              <a:ext cx="1737720" cy="2771640"/>
+              <a:off x="5962680" y="1158840"/>
+              <a:ext cx="1737360" cy="2771280"/>
             </a:xfrm>
             <a:prstGeom prst="roundRect">
               <a:avLst>
@@ -13270,7 +13270,7 @@
         <p:spPr>
           <a:xfrm>
             <a:off x="5446080" y="1672200"/>
-            <a:ext cx="2771280" cy="1737720"/>
+            <a:ext cx="2770920" cy="1737360"/>
           </a:xfrm>
           <a:prstGeom prst="rect">
             <a:avLst/>
@@ -13322,7 +13322,7 @@
         <p:spPr>
           <a:xfrm>
             <a:off x="586440" y="1246680"/>
-            <a:ext cx="4004640" cy="3600360"/>
+            <a:ext cx="4004280" cy="3600000"/>
           </a:xfrm>
           <a:prstGeom prst="rect">
             <a:avLst/>
@@ -13374,7 +13374,7 @@
         <p:spPr>
           <a:xfrm>
             <a:off x="586440" y="453960"/>
-            <a:ext cx="4764600" cy="855720"/>
+            <a:ext cx="4764240" cy="855360"/>
           </a:xfrm>
           <a:prstGeom prst="rect">
             <a:avLst/>
@@ -13463,7 +13463,7 @@
         <p:spPr>
           <a:xfrm rot="2745600">
             <a:off x="8349840" y="-668160"/>
-            <a:ext cx="1498680" cy="1498680"/>
+            <a:ext cx="1498320" cy="1498320"/>
           </a:xfrm>
           <a:prstGeom prst="roundRect">
             <a:avLst>
@@ -13500,8 +13500,8 @@
         </p:nvSpPr>
         <p:spPr>
           <a:xfrm rot="2745600">
-            <a:off x="7634160" y="-322560"/>
-            <a:ext cx="807480" cy="807840"/>
+            <a:off x="7634160" y="-322200"/>
+            <a:ext cx="807120" cy="807480"/>
           </a:xfrm>
           <a:prstGeom prst="roundRect">
             <a:avLst>
@@ -13540,7 +13540,7 @@
         <p:spPr>
           <a:xfrm>
             <a:off x="586440" y="899640"/>
-            <a:ext cx="7932240" cy="1537560"/>
+            <a:ext cx="7931880" cy="1537200"/>
           </a:xfrm>
           <a:prstGeom prst="rect">
             <a:avLst/>
@@ -13592,7 +13592,7 @@
         <p:spPr>
           <a:xfrm>
             <a:off x="608040" y="2545560"/>
-            <a:ext cx="3712680" cy="2256120"/>
+            <a:ext cx="3712320" cy="2255760"/>
           </a:xfrm>
           <a:prstGeom prst="rect">
             <a:avLst/>
@@ -13644,7 +13644,7 @@
         <p:spPr>
           <a:xfrm>
             <a:off x="4806360" y="2545560"/>
-            <a:ext cx="3712680" cy="2256120"/>
+            <a:ext cx="3712320" cy="2255760"/>
           </a:xfrm>
           <a:prstGeom prst="rect">
             <a:avLst/>
@@ -13696,7 +13696,7 @@
         <p:spPr>
           <a:xfrm>
             <a:off x="583200" y="450720"/>
-            <a:ext cx="7198560" cy="512640"/>
+            <a:ext cx="7198200" cy="512280"/>
           </a:xfrm>
           <a:prstGeom prst="rect">
             <a:avLst/>
@@ -13778,7 +13778,7 @@
         <p:spPr>
           <a:xfrm>
             <a:off x="586440" y="1246680"/>
-            <a:ext cx="4004640" cy="3600360"/>
+            <a:ext cx="4004280" cy="3600000"/>
           </a:xfrm>
           <a:prstGeom prst="rect">
             <a:avLst/>
@@ -13830,7 +13830,7 @@
         <p:spPr>
           <a:xfrm>
             <a:off x="559800" y="446040"/>
-            <a:ext cx="4284000" cy="684000"/>
+            <a:ext cx="4283640" cy="683640"/>
           </a:xfrm>
           <a:prstGeom prst="rect">
             <a:avLst/>
@@ -13882,7 +13882,7 @@
         <p:spPr>
           <a:xfrm>
             <a:off x="5097600" y="360"/>
-            <a:ext cx="4380120" cy="5144400"/>
+            <a:ext cx="4379760" cy="5144040"/>
           </a:xfrm>
           <a:prstGeom prst="roundRect">
             <a:avLst>
@@ -13947,8 +13947,8 @@
         </p:nvSpPr>
         <p:spPr>
           <a:xfrm rot="2744400">
-            <a:off x="-281520" y="-25920"/>
-            <a:ext cx="704880" cy="704520"/>
+            <a:off x="-281160" y="-25920"/>
+            <a:ext cx="704520" cy="704160"/>
           </a:xfrm>
           <a:prstGeom prst="roundRect">
             <a:avLst>
@@ -13986,7 +13986,7 @@
         <p:spPr>
           <a:xfrm rot="2625600">
             <a:off x="4861080" y="4146840"/>
-            <a:ext cx="468720" cy="468720"/>
+            <a:ext cx="468360" cy="468360"/>
           </a:xfrm>
           <a:prstGeom prst="roundRect">
             <a:avLst>
@@ -14060,8 +14060,8 @@
         </p:nvSpPr>
         <p:spPr>
           <a:xfrm rot="2744400">
-            <a:off x="-350640" y="4540320"/>
-            <a:ext cx="704880" cy="704520"/>
+            <a:off x="-350280" y="4539960"/>
+            <a:ext cx="704520" cy="704160"/>
           </a:xfrm>
           <a:prstGeom prst="roundRect">
             <a:avLst>
@@ -14098,8 +14098,8 @@
         </p:nvSpPr>
         <p:spPr>
           <a:xfrm rot="19228200">
-            <a:off x="5846760" y="-2266920"/>
-            <a:ext cx="4855680" cy="7726680"/>
+            <a:off x="5846400" y="-2266560"/>
+            <a:ext cx="4855320" cy="7726320"/>
           </a:xfrm>
           <a:prstGeom prst="roundRect">
             <a:avLst>
@@ -14137,9 +14137,9 @@
         <p:grpSpPr>
           <a:xfrm>
             <a:off x="4571640" y="828000"/>
-            <a:ext cx="4468680" cy="3564720"/>
+            <a:ext cx="4468320" cy="3564360"/>
             <a:chOff x="4571640" y="828000"/>
-            <a:chExt cx="4468680" cy="3564720"/>
+            <a:chExt cx="4468320" cy="3564360"/>
           </a:xfrm>
         </p:grpSpPr>
         <p:pic>
@@ -14155,7 +14155,7 @@
           <p:spPr>
             <a:xfrm>
               <a:off x="4571640" y="828000"/>
-              <a:ext cx="4468680" cy="3564720"/>
+              <a:ext cx="4468320" cy="3564360"/>
             </a:xfrm>
             <a:prstGeom prst="rect">
               <a:avLst/>
@@ -14173,8 +14173,8 @@
           </p:nvSpPr>
           <p:spPr>
             <a:xfrm rot="16200000">
-              <a:off x="5962680" y="1158480"/>
-              <a:ext cx="1737720" cy="2771640"/>
+              <a:off x="5962680" y="1158840"/>
+              <a:ext cx="1737360" cy="2771280"/>
             </a:xfrm>
             <a:prstGeom prst="roundRect">
               <a:avLst>
@@ -14241,7 +14241,7 @@
         <p:spPr>
           <a:xfrm>
             <a:off x="586440" y="1246680"/>
-            <a:ext cx="4004640" cy="3600360"/>
+            <a:ext cx="4004280" cy="3600000"/>
           </a:xfrm>
           <a:prstGeom prst="rect">
             <a:avLst/>
@@ -14293,7 +14293,7 @@
         <p:spPr>
           <a:xfrm>
             <a:off x="5446080" y="1672200"/>
-            <a:ext cx="2780640" cy="1737720"/>
+            <a:ext cx="2780280" cy="1737360"/>
           </a:xfrm>
           <a:prstGeom prst="rect">
             <a:avLst/>
@@ -14345,7 +14345,7 @@
         <p:spPr>
           <a:xfrm>
             <a:off x="586440" y="453960"/>
-            <a:ext cx="3697200" cy="855720"/>
+            <a:ext cx="3696840" cy="855360"/>
           </a:xfrm>
           <a:prstGeom prst="rect">
             <a:avLst/>
@@ -14434,7 +14434,7 @@
         <p:spPr>
           <a:xfrm>
             <a:off x="4222080" y="1246680"/>
-            <a:ext cx="4115520" cy="3600360"/>
+            <a:ext cx="4115160" cy="3600000"/>
           </a:xfrm>
           <a:prstGeom prst="rect">
             <a:avLst/>
@@ -14485,8 +14485,8 @@
         </p:nvSpPr>
         <p:spPr>
           <a:xfrm rot="16200000">
-            <a:off x="-2181600" y="1733040"/>
-            <a:ext cx="5144400" cy="1684440"/>
+            <a:off x="-2181600" y="1733400"/>
+            <a:ext cx="5144040" cy="1684080"/>
           </a:xfrm>
           <a:prstGeom prst="roundRect">
             <a:avLst>
@@ -14523,8 +14523,8 @@
         </p:nvSpPr>
         <p:spPr>
           <a:xfrm rot="2745000">
-            <a:off x="8575200" y="104040"/>
-            <a:ext cx="1132920" cy="1132560"/>
+            <a:off x="8575200" y="103680"/>
+            <a:ext cx="1132560" cy="1132200"/>
           </a:xfrm>
           <a:prstGeom prst="roundRect">
             <a:avLst>
@@ -14561,8 +14561,8 @@
         </p:nvSpPr>
         <p:spPr>
           <a:xfrm rot="16200000">
-            <a:off x="614880" y="918360"/>
-            <a:ext cx="3232440" cy="3314160"/>
+            <a:off x="614880" y="918720"/>
+            <a:ext cx="3232080" cy="3313800"/>
           </a:xfrm>
           <a:prstGeom prst="roundRect">
             <a:avLst>
@@ -14628,7 +14628,7 @@
         <p:spPr>
           <a:xfrm>
             <a:off x="4214160" y="456120"/>
-            <a:ext cx="4112280" cy="855720"/>
+            <a:ext cx="4111920" cy="855360"/>
           </a:xfrm>
           <a:prstGeom prst="rect">
             <a:avLst/>
